--- a/whole story.pptx
+++ b/whole story.pptx
@@ -123,7 +123,7 @@
   <pc:docChgLst>
     <pc:chgData name="Dani Pálfay" userId="73d8558601e2b23b" providerId="LiveId" clId="{4A78066E-4085-4FAA-9898-6737E6FA9133}"/>
     <pc:docChg chg="undo custSel addSld delSld modSld">
-      <pc:chgData name="Dani Pálfay" userId="73d8558601e2b23b" providerId="LiveId" clId="{4A78066E-4085-4FAA-9898-6737E6FA9133}" dt="2023-11-21T19:14:21.981" v="1234"/>
+      <pc:chgData name="Dani Pálfay" userId="73d8558601e2b23b" providerId="LiveId" clId="{4A78066E-4085-4FAA-9898-6737E6FA9133}" dt="2023-11-21T19:31:29.543" v="1247" actId="20577"/>
       <pc:docMkLst>
         <pc:docMk/>
       </pc:docMkLst>
@@ -151,7 +151,7 @@
         </pc:spChg>
       </pc:sldChg>
       <pc:sldChg chg="addSp modSp mod modAnim">
-        <pc:chgData name="Dani Pálfay" userId="73d8558601e2b23b" providerId="LiveId" clId="{4A78066E-4085-4FAA-9898-6737E6FA9133}" dt="2023-11-21T19:02:36.859" v="380" actId="20577"/>
+        <pc:chgData name="Dani Pálfay" userId="73d8558601e2b23b" providerId="LiveId" clId="{4A78066E-4085-4FAA-9898-6737E6FA9133}" dt="2023-11-21T19:31:29.543" v="1247" actId="20577"/>
         <pc:sldMkLst>
           <pc:docMk/>
           <pc:sldMk cId="3358919351" sldId="257"/>
@@ -170,6 +170,14 @@
             <pc:docMk/>
             <pc:sldMk cId="3358919351" sldId="257"/>
             <ac:spMk id="30" creationId="{564C457C-1101-428C-B0AD-4D4D5E840C1F}"/>
+          </ac:spMkLst>
+        </pc:spChg>
+        <pc:spChg chg="mod">
+          <ac:chgData name="Dani Pálfay" userId="73d8558601e2b23b" providerId="LiveId" clId="{4A78066E-4085-4FAA-9898-6737E6FA9133}" dt="2023-11-21T19:31:29.543" v="1247" actId="20577"/>
+          <ac:spMkLst>
+            <pc:docMk/>
+            <pc:sldMk cId="3358919351" sldId="257"/>
+            <ac:spMk id="128" creationId="{0D7603BC-70B5-466B-9517-ECD400D68CF6}"/>
           </ac:spMkLst>
         </pc:spChg>
         <pc:spChg chg="mod">
@@ -5267,7 +5275,7 @@
                   <a:srgbClr val="002060"/>
                 </a:solidFill>
               </a:rPr>
-              <a:t>Science Park Járda</a:t>
+              <a:t>Science Park út</a:t>
             </a:r>
           </a:p>
         </p:txBody>
@@ -11998,13 +12006,13 @@
   <p:clrMapOvr>
     <a:masterClrMapping/>
   </p:clrMapOvr>
-  <mc:AlternateContent xmlns:mc="http://schemas.openxmlformats.org/markup-compatibility/2006">
-    <mc:Choice xmlns:p14="http://schemas.microsoft.com/office/powerpoint/2010/main" Requires="p14">
+  <mc:AlternateContent xmlns:mc="http://schemas.openxmlformats.org/markup-compatibility/2006" xmlns:p14="http://schemas.microsoft.com/office/powerpoint/2010/main">
+    <mc:Choice Requires="p14">
       <p:transition spd="med" p14:dur="700">
         <p:fade/>
       </p:transition>
     </mc:Choice>
-    <mc:Fallback>
+    <mc:Fallback xmlns="">
       <p:transition spd="med">
         <p:fade/>
       </p:transition>
@@ -12599,13 +12607,13 @@
   <p:clrMapOvr>
     <a:masterClrMapping/>
   </p:clrMapOvr>
-  <mc:AlternateContent xmlns:mc="http://schemas.openxmlformats.org/markup-compatibility/2006">
-    <mc:Choice xmlns:p14="http://schemas.microsoft.com/office/powerpoint/2010/main" Requires="p14">
+  <mc:AlternateContent xmlns:mc="http://schemas.openxmlformats.org/markup-compatibility/2006" xmlns:p14="http://schemas.microsoft.com/office/powerpoint/2010/main">
+    <mc:Choice Requires="p14">
       <p:transition spd="med" p14:dur="700">
         <p:fade/>
       </p:transition>
     </mc:Choice>
-    <mc:Fallback>
+    <mc:Fallback xmlns="">
       <p:transition spd="med">
         <p:fade/>
       </p:transition>
@@ -13209,13 +13217,13 @@
   <p:clrMapOvr>
     <a:masterClrMapping/>
   </p:clrMapOvr>
-  <mc:AlternateContent xmlns:mc="http://schemas.openxmlformats.org/markup-compatibility/2006">
-    <mc:Choice xmlns:p14="http://schemas.microsoft.com/office/powerpoint/2010/main" Requires="p14">
+  <mc:AlternateContent xmlns:mc="http://schemas.openxmlformats.org/markup-compatibility/2006" xmlns:p14="http://schemas.microsoft.com/office/powerpoint/2010/main">
+    <mc:Choice Requires="p14">
       <p:transition spd="med" p14:dur="700">
         <p:fade/>
       </p:transition>
     </mc:Choice>
-    <mc:Fallback>
+    <mc:Fallback xmlns="">
       <p:transition spd="med">
         <p:fade/>
       </p:transition>
@@ -13658,13 +13666,13 @@
   <p:clrMapOvr>
     <a:masterClrMapping/>
   </p:clrMapOvr>
-  <mc:AlternateContent xmlns:mc="http://schemas.openxmlformats.org/markup-compatibility/2006">
-    <mc:Choice xmlns:p14="http://schemas.microsoft.com/office/powerpoint/2010/main" Requires="p14">
+  <mc:AlternateContent xmlns:mc="http://schemas.openxmlformats.org/markup-compatibility/2006" xmlns:p14="http://schemas.microsoft.com/office/powerpoint/2010/main">
+    <mc:Choice Requires="p14">
       <p:transition spd="med" p14:dur="700">
         <p:fade/>
       </p:transition>
     </mc:Choice>
-    <mc:Fallback>
+    <mc:Fallback xmlns="">
       <p:transition spd="med">
         <p:fade/>
       </p:transition>
@@ -14107,13 +14115,13 @@
   <p:clrMapOvr>
     <a:masterClrMapping/>
   </p:clrMapOvr>
-  <mc:AlternateContent xmlns:mc="http://schemas.openxmlformats.org/markup-compatibility/2006">
-    <mc:Choice xmlns:p14="http://schemas.microsoft.com/office/powerpoint/2010/main" Requires="p14">
+  <mc:AlternateContent xmlns:mc="http://schemas.openxmlformats.org/markup-compatibility/2006" xmlns:p14="http://schemas.microsoft.com/office/powerpoint/2010/main">
+    <mc:Choice Requires="p14">
       <p:transition spd="med" p14:dur="700">
         <p:fade/>
       </p:transition>
     </mc:Choice>
-    <mc:Fallback>
+    <mc:Fallback xmlns="">
       <p:transition spd="med">
         <p:fade/>
       </p:transition>

--- a/whole story.pptx
+++ b/whole story.pptx
@@ -6,12 +6,13 @@
   </p:sldMasterIdLst>
   <p:sldIdLst>
     <p:sldId id="257" r:id="rId2"/>
-    <p:sldId id="256" r:id="rId3"/>
-    <p:sldId id="258" r:id="rId4"/>
-    <p:sldId id="259" r:id="rId5"/>
-    <p:sldId id="260" r:id="rId6"/>
-    <p:sldId id="261" r:id="rId7"/>
-    <p:sldId id="262" r:id="rId8"/>
+    <p:sldId id="263" r:id="rId3"/>
+    <p:sldId id="256" r:id="rId4"/>
+    <p:sldId id="258" r:id="rId5"/>
+    <p:sldId id="259" r:id="rId6"/>
+    <p:sldId id="260" r:id="rId7"/>
+    <p:sldId id="261" r:id="rId8"/>
+    <p:sldId id="262" r:id="rId9"/>
   </p:sldIdLst>
   <p:sldSz cx="12192000" cy="6858000"/>
   <p:notesSz cx="6858000" cy="9144000"/>
@@ -123,7 +124,7 @@
   <pc:docChgLst>
     <pc:chgData name="Dani Pálfay" userId="73d8558601e2b23b" providerId="LiveId" clId="{4A78066E-4085-4FAA-9898-6737E6FA9133}"/>
     <pc:docChg chg="undo custSel addSld delSld modSld">
-      <pc:chgData name="Dani Pálfay" userId="73d8558601e2b23b" providerId="LiveId" clId="{4A78066E-4085-4FAA-9898-6737E6FA9133}" dt="2023-11-21T19:31:29.543" v="1247" actId="20577"/>
+      <pc:chgData name="Dani Pálfay" userId="73d8558601e2b23b" providerId="LiveId" clId="{4A78066E-4085-4FAA-9898-6737E6FA9133}" dt="2023-11-21T19:35:23.881" v="1286"/>
       <pc:docMkLst>
         <pc:docMk/>
       </pc:docMkLst>
@@ -799,6 +800,197 @@
           </ac:spMkLst>
         </pc:spChg>
       </pc:sldChg>
+      <pc:sldChg chg="addSp delSp modSp new mod setBg modAnim">
+        <pc:chgData name="Dani Pálfay" userId="73d8558601e2b23b" providerId="LiveId" clId="{4A78066E-4085-4FAA-9898-6737E6FA9133}" dt="2023-11-21T19:35:23.881" v="1286"/>
+        <pc:sldMkLst>
+          <pc:docMk/>
+          <pc:sldMk cId="4108811806" sldId="263"/>
+        </pc:sldMkLst>
+        <pc:spChg chg="del mod">
+          <ac:chgData name="Dani Pálfay" userId="73d8558601e2b23b" providerId="LiveId" clId="{4A78066E-4085-4FAA-9898-6737E6FA9133}" dt="2023-11-21T19:33:40.182" v="1255" actId="478"/>
+          <ac:spMkLst>
+            <pc:docMk/>
+            <pc:sldMk cId="4108811806" sldId="263"/>
+            <ac:spMk id="2" creationId="{4E8FBFF3-8427-479F-BB3E-8539A82E496A}"/>
+          </ac:spMkLst>
+        </pc:spChg>
+        <pc:spChg chg="del">
+          <ac:chgData name="Dani Pálfay" userId="73d8558601e2b23b" providerId="LiveId" clId="{4A78066E-4085-4FAA-9898-6737E6FA9133}" dt="2023-11-21T19:33:41.929" v="1256" actId="478"/>
+          <ac:spMkLst>
+            <pc:docMk/>
+            <pc:sldMk cId="4108811806" sldId="263"/>
+            <ac:spMk id="3" creationId="{9EFD9DFF-6E1B-4616-BAC5-209491A6D40E}"/>
+          </ac:spMkLst>
+        </pc:spChg>
+        <pc:spChg chg="mod">
+          <ac:chgData name="Dani Pálfay" userId="73d8558601e2b23b" providerId="LiveId" clId="{4A78066E-4085-4FAA-9898-6737E6FA9133}" dt="2023-11-21T19:34:26.655" v="1259" actId="207"/>
+          <ac:spMkLst>
+            <pc:docMk/>
+            <pc:sldMk cId="4108811806" sldId="263"/>
+            <ac:spMk id="5" creationId="{17F92AC0-80E0-4C27-8555-8D6CA14AE32A}"/>
+          </ac:spMkLst>
+        </pc:spChg>
+        <pc:spChg chg="mod">
+          <ac:chgData name="Dani Pálfay" userId="73d8558601e2b23b" providerId="LiveId" clId="{4A78066E-4085-4FAA-9898-6737E6FA9133}" dt="2023-11-21T19:34:26.655" v="1259" actId="207"/>
+          <ac:spMkLst>
+            <pc:docMk/>
+            <pc:sldMk cId="4108811806" sldId="263"/>
+            <ac:spMk id="6" creationId="{A0D7BBF9-7378-473C-8471-C11CBEAF893F}"/>
+          </ac:spMkLst>
+        </pc:spChg>
+        <pc:spChg chg="mod">
+          <ac:chgData name="Dani Pálfay" userId="73d8558601e2b23b" providerId="LiveId" clId="{4A78066E-4085-4FAA-9898-6737E6FA9133}" dt="2023-11-21T19:34:26.655" v="1259" actId="207"/>
+          <ac:spMkLst>
+            <pc:docMk/>
+            <pc:sldMk cId="4108811806" sldId="263"/>
+            <ac:spMk id="7" creationId="{75B30879-D2CE-4B3B-A5BF-2EA11B4FC87F}"/>
+          </ac:spMkLst>
+        </pc:spChg>
+        <pc:spChg chg="mod">
+          <ac:chgData name="Dani Pálfay" userId="73d8558601e2b23b" providerId="LiveId" clId="{4A78066E-4085-4FAA-9898-6737E6FA9133}" dt="2023-11-21T19:34:26.655" v="1259" actId="207"/>
+          <ac:spMkLst>
+            <pc:docMk/>
+            <pc:sldMk cId="4108811806" sldId="263"/>
+            <ac:spMk id="8" creationId="{F7808195-982E-4FCA-9B5E-A2CDF0B72ED8}"/>
+          </ac:spMkLst>
+        </pc:spChg>
+        <pc:spChg chg="mod">
+          <ac:chgData name="Dani Pálfay" userId="73d8558601e2b23b" providerId="LiveId" clId="{4A78066E-4085-4FAA-9898-6737E6FA9133}" dt="2023-11-21T19:34:26.655" v="1259" actId="207"/>
+          <ac:spMkLst>
+            <pc:docMk/>
+            <pc:sldMk cId="4108811806" sldId="263"/>
+            <ac:spMk id="9" creationId="{3CEF2EF3-FE15-4D99-9BBB-BA02B9C6204F}"/>
+          </ac:spMkLst>
+        </pc:spChg>
+        <pc:spChg chg="mod">
+          <ac:chgData name="Dani Pálfay" userId="73d8558601e2b23b" providerId="LiveId" clId="{4A78066E-4085-4FAA-9898-6737E6FA9133}" dt="2023-11-21T19:34:26.655" v="1259" actId="207"/>
+          <ac:spMkLst>
+            <pc:docMk/>
+            <pc:sldMk cId="4108811806" sldId="263"/>
+            <ac:spMk id="10" creationId="{C44E79E9-E6AE-4085-B7DC-288F5DB2FAD4}"/>
+          </ac:spMkLst>
+        </pc:spChg>
+        <pc:spChg chg="mod">
+          <ac:chgData name="Dani Pálfay" userId="73d8558601e2b23b" providerId="LiveId" clId="{4A78066E-4085-4FAA-9898-6737E6FA9133}" dt="2023-11-21T19:34:26.655" v="1259" actId="207"/>
+          <ac:spMkLst>
+            <pc:docMk/>
+            <pc:sldMk cId="4108811806" sldId="263"/>
+            <ac:spMk id="11" creationId="{6A0DC5E0-84C7-496E-A5B2-95AAAA67381D}"/>
+          </ac:spMkLst>
+        </pc:spChg>
+        <pc:spChg chg="mod">
+          <ac:chgData name="Dani Pálfay" userId="73d8558601e2b23b" providerId="LiveId" clId="{4A78066E-4085-4FAA-9898-6737E6FA9133}" dt="2023-11-21T19:34:26.655" v="1259" actId="207"/>
+          <ac:spMkLst>
+            <pc:docMk/>
+            <pc:sldMk cId="4108811806" sldId="263"/>
+            <ac:spMk id="12" creationId="{135A2C9A-3413-4B45-8941-2842369FA570}"/>
+          </ac:spMkLst>
+        </pc:spChg>
+        <pc:spChg chg="mod">
+          <ac:chgData name="Dani Pálfay" userId="73d8558601e2b23b" providerId="LiveId" clId="{4A78066E-4085-4FAA-9898-6737E6FA9133}" dt="2023-11-21T19:34:26.655" v="1259" actId="207"/>
+          <ac:spMkLst>
+            <pc:docMk/>
+            <pc:sldMk cId="4108811806" sldId="263"/>
+            <ac:spMk id="13" creationId="{E9BCCF2E-22D6-49B9-BB74-6B6C6CE32341}"/>
+          </ac:spMkLst>
+        </pc:spChg>
+        <pc:spChg chg="mod">
+          <ac:chgData name="Dani Pálfay" userId="73d8558601e2b23b" providerId="LiveId" clId="{4A78066E-4085-4FAA-9898-6737E6FA9133}" dt="2023-11-21T19:34:26.655" v="1259" actId="207"/>
+          <ac:spMkLst>
+            <pc:docMk/>
+            <pc:sldMk cId="4108811806" sldId="263"/>
+            <ac:spMk id="14" creationId="{ED6AF758-8215-40A4-A7F1-3F6B814F0FAD}"/>
+          </ac:spMkLst>
+        </pc:spChg>
+        <pc:spChg chg="mod">
+          <ac:chgData name="Dani Pálfay" userId="73d8558601e2b23b" providerId="LiveId" clId="{4A78066E-4085-4FAA-9898-6737E6FA9133}" dt="2023-11-21T19:34:26.655" v="1259" actId="207"/>
+          <ac:spMkLst>
+            <pc:docMk/>
+            <pc:sldMk cId="4108811806" sldId="263"/>
+            <ac:spMk id="15" creationId="{8E85B21A-93E2-433E-A4FF-35B8463DFFDF}"/>
+          </ac:spMkLst>
+        </pc:spChg>
+        <pc:spChg chg="mod">
+          <ac:chgData name="Dani Pálfay" userId="73d8558601e2b23b" providerId="LiveId" clId="{4A78066E-4085-4FAA-9898-6737E6FA9133}" dt="2023-11-21T19:34:26.655" v="1259" actId="207"/>
+          <ac:spMkLst>
+            <pc:docMk/>
+            <pc:sldMk cId="4108811806" sldId="263"/>
+            <ac:spMk id="16" creationId="{130815B6-ACE2-41FE-81E4-AA6AB3CED549}"/>
+          </ac:spMkLst>
+        </pc:spChg>
+        <pc:spChg chg="mod">
+          <ac:chgData name="Dani Pálfay" userId="73d8558601e2b23b" providerId="LiveId" clId="{4A78066E-4085-4FAA-9898-6737E6FA9133}" dt="2023-11-21T19:34:26.655" v="1259" actId="207"/>
+          <ac:spMkLst>
+            <pc:docMk/>
+            <pc:sldMk cId="4108811806" sldId="263"/>
+            <ac:spMk id="17" creationId="{DFBE845B-9C29-472C-8493-3FF7CA2FA97D}"/>
+          </ac:spMkLst>
+        </pc:spChg>
+        <pc:spChg chg="mod">
+          <ac:chgData name="Dani Pálfay" userId="73d8558601e2b23b" providerId="LiveId" clId="{4A78066E-4085-4FAA-9898-6737E6FA9133}" dt="2023-11-21T19:34:26.655" v="1259" actId="207"/>
+          <ac:spMkLst>
+            <pc:docMk/>
+            <pc:sldMk cId="4108811806" sldId="263"/>
+            <ac:spMk id="18" creationId="{98F38DCA-9B5C-48DA-B0A3-DE5A243FDADE}"/>
+          </ac:spMkLst>
+        </pc:spChg>
+        <pc:spChg chg="mod">
+          <ac:chgData name="Dani Pálfay" userId="73d8558601e2b23b" providerId="LiveId" clId="{4A78066E-4085-4FAA-9898-6737E6FA9133}" dt="2023-11-21T19:34:26.655" v="1259" actId="207"/>
+          <ac:spMkLst>
+            <pc:docMk/>
+            <pc:sldMk cId="4108811806" sldId="263"/>
+            <ac:spMk id="19" creationId="{403F4688-9E61-4943-A1BF-ADD904AF9D93}"/>
+          </ac:spMkLst>
+        </pc:spChg>
+        <pc:spChg chg="mod">
+          <ac:chgData name="Dani Pálfay" userId="73d8558601e2b23b" providerId="LiveId" clId="{4A78066E-4085-4FAA-9898-6737E6FA9133}" dt="2023-11-21T19:34:26.655" v="1259" actId="207"/>
+          <ac:spMkLst>
+            <pc:docMk/>
+            <pc:sldMk cId="4108811806" sldId="263"/>
+            <ac:spMk id="20" creationId="{7AC4D746-C98D-4896-9A94-B96DDEBC6952}"/>
+          </ac:spMkLst>
+        </pc:spChg>
+        <pc:spChg chg="add mod">
+          <ac:chgData name="Dani Pálfay" userId="73d8558601e2b23b" providerId="LiveId" clId="{4A78066E-4085-4FAA-9898-6737E6FA9133}" dt="2023-11-21T19:34:45.755" v="1276" actId="20577"/>
+          <ac:spMkLst>
+            <pc:docMk/>
+            <pc:sldMk cId="4108811806" sldId="263"/>
+            <ac:spMk id="21" creationId="{DE9C0F1E-CBCE-4A6F-BBF1-1D879769397E}"/>
+          </ac:spMkLst>
+        </pc:spChg>
+        <pc:spChg chg="add mod">
+          <ac:chgData name="Dani Pálfay" userId="73d8558601e2b23b" providerId="LiveId" clId="{4A78066E-4085-4FAA-9898-6737E6FA9133}" dt="2023-11-21T19:35:02.549" v="1279" actId="1076"/>
+          <ac:spMkLst>
+            <pc:docMk/>
+            <pc:sldMk cId="4108811806" sldId="263"/>
+            <ac:spMk id="22" creationId="{CA009021-87ED-48DE-A198-DC04986F9232}"/>
+          </ac:spMkLst>
+        </pc:spChg>
+        <pc:spChg chg="add mod">
+          <ac:chgData name="Dani Pálfay" userId="73d8558601e2b23b" providerId="LiveId" clId="{4A78066E-4085-4FAA-9898-6737E6FA9133}" dt="2023-11-21T19:35:13.142" v="1281" actId="1076"/>
+          <ac:spMkLst>
+            <pc:docMk/>
+            <pc:sldMk cId="4108811806" sldId="263"/>
+            <ac:spMk id="23" creationId="{7A4E7255-E837-47CC-BEA3-A6A4188B251A}"/>
+          </ac:spMkLst>
+        </pc:spChg>
+        <pc:spChg chg="add del mod">
+          <ac:chgData name="Dani Pálfay" userId="73d8558601e2b23b" providerId="LiveId" clId="{4A78066E-4085-4FAA-9898-6737E6FA9133}" dt="2023-11-21T19:35:23.881" v="1286"/>
+          <ac:spMkLst>
+            <pc:docMk/>
+            <pc:sldMk cId="4108811806" sldId="263"/>
+            <ac:spMk id="24" creationId="{6A3E5EF4-BE98-4A80-8658-4CB7CCEAB43A}"/>
+          </ac:spMkLst>
+        </pc:spChg>
+        <pc:grpChg chg="add mod">
+          <ac:chgData name="Dani Pálfay" userId="73d8558601e2b23b" providerId="LiveId" clId="{4A78066E-4085-4FAA-9898-6737E6FA9133}" dt="2023-11-21T19:34:31.873" v="1261" actId="1076"/>
+          <ac:grpSpMkLst>
+            <pc:docMk/>
+            <pc:sldMk cId="4108811806" sldId="263"/>
+            <ac:grpSpMk id="4" creationId="{5292FEF4-12CC-4200-9814-9FCA4A35BC8F}"/>
+          </ac:grpSpMkLst>
+        </pc:grpChg>
+      </pc:sldChg>
     </pc:docChg>
   </pc:docChgLst>
 </pc:chgInfo>
@@ -6088,6 +6280,1804 @@
 </file>
 
 <file path=ppt/slides/slide2.xml><?xml version="1.0" encoding="utf-8"?>
+<p:sld xmlns:a="http://schemas.openxmlformats.org/drawingml/2006/main" xmlns:r="http://schemas.openxmlformats.org/officeDocument/2006/relationships" xmlns:p="http://schemas.openxmlformats.org/presentationml/2006/main">
+  <p:cSld>
+    <p:bg>
+      <p:bgPr>
+        <a:solidFill>
+          <a:schemeClr val="accent1">
+            <a:lumMod val="50000"/>
+          </a:schemeClr>
+        </a:solidFill>
+        <a:effectLst/>
+      </p:bgPr>
+    </p:bg>
+    <p:spTree>
+      <p:nvGrpSpPr>
+        <p:cNvPr id="1" name=""/>
+        <p:cNvGrpSpPr/>
+        <p:nvPr/>
+      </p:nvGrpSpPr>
+      <p:grpSpPr>
+        <a:xfrm>
+          <a:off x="0" y="0"/>
+          <a:ext cx="0" cy="0"/>
+          <a:chOff x="0" y="0"/>
+          <a:chExt cx="0" cy="0"/>
+        </a:xfrm>
+      </p:grpSpPr>
+      <p:grpSp>
+        <p:nvGrpSpPr>
+          <p:cNvPr id="4" name="Csoportba foglalás 3">
+            <a:extLst>
+              <a:ext uri="{FF2B5EF4-FFF2-40B4-BE49-F238E27FC236}">
+                <a16:creationId xmlns:a16="http://schemas.microsoft.com/office/drawing/2014/main" id="{5292FEF4-12CC-4200-9814-9FCA4A35BC8F}"/>
+              </a:ext>
+            </a:extLst>
+          </p:cNvPr>
+          <p:cNvGrpSpPr/>
+          <p:nvPr/>
+        </p:nvGrpSpPr>
+        <p:grpSpPr>
+          <a:xfrm>
+            <a:off x="-226008" y="824947"/>
+            <a:ext cx="5374477" cy="6231835"/>
+            <a:chOff x="-285643" y="54666"/>
+            <a:chExt cx="5831679" cy="6990050"/>
+          </a:xfrm>
+          <a:solidFill>
+            <a:schemeClr val="accent1">
+              <a:lumMod val="60000"/>
+              <a:lumOff val="40000"/>
+            </a:schemeClr>
+          </a:solidFill>
+        </p:grpSpPr>
+        <p:sp>
+          <p:nvSpPr>
+            <p:cNvPr id="5" name="Ellipszis 4">
+              <a:extLst>
+                <a:ext uri="{FF2B5EF4-FFF2-40B4-BE49-F238E27FC236}">
+                  <a16:creationId xmlns:a16="http://schemas.microsoft.com/office/drawing/2014/main" id="{17F92AC0-80E0-4C27-8555-8D6CA14AE32A}"/>
+                </a:ext>
+              </a:extLst>
+            </p:cNvPr>
+            <p:cNvSpPr/>
+            <p:nvPr/>
+          </p:nvSpPr>
+          <p:spPr>
+            <a:xfrm>
+              <a:off x="3756555" y="604630"/>
+              <a:ext cx="1461052" cy="1245703"/>
+            </a:xfrm>
+            <a:prstGeom prst="ellipse">
+              <a:avLst/>
+            </a:prstGeom>
+            <a:grpFill/>
+            <a:ln>
+              <a:noFill/>
+            </a:ln>
+          </p:spPr>
+          <p:style>
+            <a:lnRef idx="2">
+              <a:schemeClr val="accent1">
+                <a:shade val="50000"/>
+              </a:schemeClr>
+            </a:lnRef>
+            <a:fillRef idx="1">
+              <a:schemeClr val="accent1"/>
+            </a:fillRef>
+            <a:effectRef idx="0">
+              <a:schemeClr val="accent1"/>
+            </a:effectRef>
+            <a:fontRef idx="minor">
+              <a:schemeClr val="lt1"/>
+            </a:fontRef>
+          </p:style>
+          <p:txBody>
+            <a:bodyPr rtlCol="0" anchor="ctr"/>
+            <a:lstStyle/>
+            <a:p>
+              <a:pPr algn="ctr"/>
+              <a:endParaRPr lang="hu-HU" dirty="0"/>
+            </a:p>
+          </p:txBody>
+        </p:sp>
+        <p:sp>
+          <p:nvSpPr>
+            <p:cNvPr id="6" name="Téglalap 28">
+              <a:extLst>
+                <a:ext uri="{FF2B5EF4-FFF2-40B4-BE49-F238E27FC236}">
+                  <a16:creationId xmlns:a16="http://schemas.microsoft.com/office/drawing/2014/main" id="{A0D7BBF9-7378-473C-8471-C11CBEAF893F}"/>
+                </a:ext>
+              </a:extLst>
+            </p:cNvPr>
+            <p:cNvSpPr/>
+            <p:nvPr/>
+          </p:nvSpPr>
+          <p:spPr>
+            <a:xfrm>
+              <a:off x="4403035" y="1659835"/>
+              <a:ext cx="1143001" cy="5198165"/>
+            </a:xfrm>
+            <a:custGeom>
+              <a:avLst/>
+              <a:gdLst>
+                <a:gd name="connsiteX0" fmla="*/ 0 w 2126974"/>
+                <a:gd name="connsiteY0" fmla="*/ 0 h 5804452"/>
+                <a:gd name="connsiteX1" fmla="*/ 2126974 w 2126974"/>
+                <a:gd name="connsiteY1" fmla="*/ 0 h 5804452"/>
+                <a:gd name="connsiteX2" fmla="*/ 2126974 w 2126974"/>
+                <a:gd name="connsiteY2" fmla="*/ 5804452 h 5804452"/>
+                <a:gd name="connsiteX3" fmla="*/ 0 w 2126974"/>
+                <a:gd name="connsiteY3" fmla="*/ 5804452 h 5804452"/>
+                <a:gd name="connsiteX4" fmla="*/ 0 w 2126974"/>
+                <a:gd name="connsiteY4" fmla="*/ 0 h 5804452"/>
+                <a:gd name="connsiteX0" fmla="*/ 566531 w 2126974"/>
+                <a:gd name="connsiteY0" fmla="*/ 0 h 6132444"/>
+                <a:gd name="connsiteX1" fmla="*/ 2126974 w 2126974"/>
+                <a:gd name="connsiteY1" fmla="*/ 327992 h 6132444"/>
+                <a:gd name="connsiteX2" fmla="*/ 2126974 w 2126974"/>
+                <a:gd name="connsiteY2" fmla="*/ 6132444 h 6132444"/>
+                <a:gd name="connsiteX3" fmla="*/ 0 w 2126974"/>
+                <a:gd name="connsiteY3" fmla="*/ 6132444 h 6132444"/>
+                <a:gd name="connsiteX4" fmla="*/ 566531 w 2126974"/>
+                <a:gd name="connsiteY4" fmla="*/ 0 h 6132444"/>
+                <a:gd name="connsiteX0" fmla="*/ 9940 w 1570383"/>
+                <a:gd name="connsiteY0" fmla="*/ 0 h 6211957"/>
+                <a:gd name="connsiteX1" fmla="*/ 1570383 w 1570383"/>
+                <a:gd name="connsiteY1" fmla="*/ 327992 h 6211957"/>
+                <a:gd name="connsiteX2" fmla="*/ 1570383 w 1570383"/>
+                <a:gd name="connsiteY2" fmla="*/ 6132444 h 6211957"/>
+                <a:gd name="connsiteX3" fmla="*/ 0 w 1570383"/>
+                <a:gd name="connsiteY3" fmla="*/ 6211957 h 6211957"/>
+                <a:gd name="connsiteX4" fmla="*/ 9940 w 1570383"/>
+                <a:gd name="connsiteY4" fmla="*/ 0 h 6211957"/>
+                <a:gd name="connsiteX0" fmla="*/ 441 w 1560884"/>
+                <a:gd name="connsiteY0" fmla="*/ 0 h 6132444"/>
+                <a:gd name="connsiteX1" fmla="*/ 1560884 w 1560884"/>
+                <a:gd name="connsiteY1" fmla="*/ 327992 h 6132444"/>
+                <a:gd name="connsiteX2" fmla="*/ 1560884 w 1560884"/>
+                <a:gd name="connsiteY2" fmla="*/ 6132444 h 6132444"/>
+                <a:gd name="connsiteX3" fmla="*/ 10379 w 1560884"/>
+                <a:gd name="connsiteY3" fmla="*/ 6102627 h 6132444"/>
+                <a:gd name="connsiteX4" fmla="*/ 441 w 1560884"/>
+                <a:gd name="connsiteY4" fmla="*/ 0 h 6132444"/>
+                <a:gd name="connsiteX0" fmla="*/ 213 w 1580534"/>
+                <a:gd name="connsiteY0" fmla="*/ 0 h 6072809"/>
+                <a:gd name="connsiteX1" fmla="*/ 1580534 w 1580534"/>
+                <a:gd name="connsiteY1" fmla="*/ 268357 h 6072809"/>
+                <a:gd name="connsiteX2" fmla="*/ 1580534 w 1580534"/>
+                <a:gd name="connsiteY2" fmla="*/ 6072809 h 6072809"/>
+                <a:gd name="connsiteX3" fmla="*/ 30029 w 1580534"/>
+                <a:gd name="connsiteY3" fmla="*/ 6042992 h 6072809"/>
+                <a:gd name="connsiteX4" fmla="*/ 213 w 1580534"/>
+                <a:gd name="connsiteY4" fmla="*/ 0 h 6072809"/>
+                <a:gd name="connsiteX0" fmla="*/ 213 w 1590473"/>
+                <a:gd name="connsiteY0" fmla="*/ 0 h 6072809"/>
+                <a:gd name="connsiteX1" fmla="*/ 1590473 w 1590473"/>
+                <a:gd name="connsiteY1" fmla="*/ 576470 h 6072809"/>
+                <a:gd name="connsiteX2" fmla="*/ 1580534 w 1590473"/>
+                <a:gd name="connsiteY2" fmla="*/ 6072809 h 6072809"/>
+                <a:gd name="connsiteX3" fmla="*/ 30029 w 1590473"/>
+                <a:gd name="connsiteY3" fmla="*/ 6042992 h 6072809"/>
+                <a:gd name="connsiteX4" fmla="*/ 213 w 1590473"/>
+                <a:gd name="connsiteY4" fmla="*/ 0 h 6072809"/>
+                <a:gd name="connsiteX0" fmla="*/ 213 w 1580534"/>
+                <a:gd name="connsiteY0" fmla="*/ 0 h 6072809"/>
+                <a:gd name="connsiteX1" fmla="*/ 1550716 w 1580534"/>
+                <a:gd name="connsiteY1" fmla="*/ 606287 h 6072809"/>
+                <a:gd name="connsiteX2" fmla="*/ 1580534 w 1580534"/>
+                <a:gd name="connsiteY2" fmla="*/ 6072809 h 6072809"/>
+                <a:gd name="connsiteX3" fmla="*/ 30029 w 1580534"/>
+                <a:gd name="connsiteY3" fmla="*/ 6042992 h 6072809"/>
+                <a:gd name="connsiteX4" fmla="*/ 213 w 1580534"/>
+                <a:gd name="connsiteY4" fmla="*/ 0 h 6072809"/>
+                <a:gd name="connsiteX0" fmla="*/ 213 w 1580534"/>
+                <a:gd name="connsiteY0" fmla="*/ 0 h 6072809"/>
+                <a:gd name="connsiteX1" fmla="*/ 1520899 w 1580534"/>
+                <a:gd name="connsiteY1" fmla="*/ 646044 h 6072809"/>
+                <a:gd name="connsiteX2" fmla="*/ 1580534 w 1580534"/>
+                <a:gd name="connsiteY2" fmla="*/ 6072809 h 6072809"/>
+                <a:gd name="connsiteX3" fmla="*/ 30029 w 1580534"/>
+                <a:gd name="connsiteY3" fmla="*/ 6042992 h 6072809"/>
+                <a:gd name="connsiteX4" fmla="*/ 213 w 1580534"/>
+                <a:gd name="connsiteY4" fmla="*/ 0 h 6072809"/>
+                <a:gd name="connsiteX0" fmla="*/ 440 w 1580761"/>
+                <a:gd name="connsiteY0" fmla="*/ 0 h 6072809"/>
+                <a:gd name="connsiteX1" fmla="*/ 1521126 w 1580761"/>
+                <a:gd name="connsiteY1" fmla="*/ 646044 h 6072809"/>
+                <a:gd name="connsiteX2" fmla="*/ 1580761 w 1580761"/>
+                <a:gd name="connsiteY2" fmla="*/ 6072809 h 6072809"/>
+                <a:gd name="connsiteX3" fmla="*/ 10378 w 1580761"/>
+                <a:gd name="connsiteY3" fmla="*/ 6072809 h 6072809"/>
+                <a:gd name="connsiteX4" fmla="*/ 440 w 1580761"/>
+                <a:gd name="connsiteY4" fmla="*/ 0 h 6072809"/>
+                <a:gd name="connsiteX0" fmla="*/ 440 w 1580761"/>
+                <a:gd name="connsiteY0" fmla="*/ 0 h 6314272"/>
+                <a:gd name="connsiteX1" fmla="*/ 1521126 w 1580761"/>
+                <a:gd name="connsiteY1" fmla="*/ 887507 h 6314272"/>
+                <a:gd name="connsiteX2" fmla="*/ 1580761 w 1580761"/>
+                <a:gd name="connsiteY2" fmla="*/ 6314272 h 6314272"/>
+                <a:gd name="connsiteX3" fmla="*/ 10378 w 1580761"/>
+                <a:gd name="connsiteY3" fmla="*/ 6314272 h 6314272"/>
+                <a:gd name="connsiteX4" fmla="*/ 440 w 1580761"/>
+                <a:gd name="connsiteY4" fmla="*/ 0 h 6314272"/>
+                <a:gd name="connsiteX0" fmla="*/ 440 w 1580761"/>
+                <a:gd name="connsiteY0" fmla="*/ 0 h 6314272"/>
+                <a:gd name="connsiteX1" fmla="*/ 1521126 w 1580761"/>
+                <a:gd name="connsiteY1" fmla="*/ 887507 h 6314272"/>
+                <a:gd name="connsiteX2" fmla="*/ 1580761 w 1580761"/>
+                <a:gd name="connsiteY2" fmla="*/ 6314272 h 6314272"/>
+                <a:gd name="connsiteX3" fmla="*/ 10378 w 1580761"/>
+                <a:gd name="connsiteY3" fmla="*/ 6314272 h 6314272"/>
+                <a:gd name="connsiteX4" fmla="*/ 440 w 1580761"/>
+                <a:gd name="connsiteY4" fmla="*/ 0 h 6314272"/>
+                <a:gd name="connsiteX0" fmla="*/ 440 w 1580761"/>
+                <a:gd name="connsiteY0" fmla="*/ 0 h 6314272"/>
+                <a:gd name="connsiteX1" fmla="*/ 1521126 w 1580761"/>
+                <a:gd name="connsiteY1" fmla="*/ 1225557 h 6314272"/>
+                <a:gd name="connsiteX2" fmla="*/ 1580761 w 1580761"/>
+                <a:gd name="connsiteY2" fmla="*/ 6314272 h 6314272"/>
+                <a:gd name="connsiteX3" fmla="*/ 10378 w 1580761"/>
+                <a:gd name="connsiteY3" fmla="*/ 6314272 h 6314272"/>
+                <a:gd name="connsiteX4" fmla="*/ 440 w 1580761"/>
+                <a:gd name="connsiteY4" fmla="*/ 0 h 6314272"/>
+                <a:gd name="connsiteX0" fmla="*/ 440 w 1580761"/>
+                <a:gd name="connsiteY0" fmla="*/ 0 h 6314272"/>
+                <a:gd name="connsiteX1" fmla="*/ 1521126 w 1580761"/>
+                <a:gd name="connsiteY1" fmla="*/ 1044459 h 6314272"/>
+                <a:gd name="connsiteX2" fmla="*/ 1580761 w 1580761"/>
+                <a:gd name="connsiteY2" fmla="*/ 6314272 h 6314272"/>
+                <a:gd name="connsiteX3" fmla="*/ 10378 w 1580761"/>
+                <a:gd name="connsiteY3" fmla="*/ 6314272 h 6314272"/>
+                <a:gd name="connsiteX4" fmla="*/ 440 w 1580761"/>
+                <a:gd name="connsiteY4" fmla="*/ 0 h 6314272"/>
+                <a:gd name="connsiteX0" fmla="*/ 440 w 1580761"/>
+                <a:gd name="connsiteY0" fmla="*/ 0 h 6314272"/>
+                <a:gd name="connsiteX1" fmla="*/ 1521126 w 1580761"/>
+                <a:gd name="connsiteY1" fmla="*/ 742630 h 6314272"/>
+                <a:gd name="connsiteX2" fmla="*/ 1580761 w 1580761"/>
+                <a:gd name="connsiteY2" fmla="*/ 6314272 h 6314272"/>
+                <a:gd name="connsiteX3" fmla="*/ 10378 w 1580761"/>
+                <a:gd name="connsiteY3" fmla="*/ 6314272 h 6314272"/>
+                <a:gd name="connsiteX4" fmla="*/ 440 w 1580761"/>
+                <a:gd name="connsiteY4" fmla="*/ 0 h 6314272"/>
+                <a:gd name="connsiteX0" fmla="*/ 440 w 1580761"/>
+                <a:gd name="connsiteY0" fmla="*/ 0 h 6314272"/>
+                <a:gd name="connsiteX1" fmla="*/ 1521126 w 1580761"/>
+                <a:gd name="connsiteY1" fmla="*/ 621898 h 6314272"/>
+                <a:gd name="connsiteX2" fmla="*/ 1580761 w 1580761"/>
+                <a:gd name="connsiteY2" fmla="*/ 6314272 h 6314272"/>
+                <a:gd name="connsiteX3" fmla="*/ 10378 w 1580761"/>
+                <a:gd name="connsiteY3" fmla="*/ 6314272 h 6314272"/>
+                <a:gd name="connsiteX4" fmla="*/ 440 w 1580761"/>
+                <a:gd name="connsiteY4" fmla="*/ 0 h 6314272"/>
+              </a:gdLst>
+              <a:ahLst/>
+              <a:cxnLst>
+                <a:cxn ang="0">
+                  <a:pos x="connsiteX0" y="connsiteY0"/>
+                </a:cxn>
+                <a:cxn ang="0">
+                  <a:pos x="connsiteX1" y="connsiteY1"/>
+                </a:cxn>
+                <a:cxn ang="0">
+                  <a:pos x="connsiteX2" y="connsiteY2"/>
+                </a:cxn>
+                <a:cxn ang="0">
+                  <a:pos x="connsiteX3" y="connsiteY3"/>
+                </a:cxn>
+                <a:cxn ang="0">
+                  <a:pos x="connsiteX4" y="connsiteY4"/>
+                </a:cxn>
+              </a:cxnLst>
+              <a:rect l="l" t="t" r="r" b="b"/>
+              <a:pathLst>
+                <a:path w="1580761" h="6314272">
+                  <a:moveTo>
+                    <a:pt x="440" y="0"/>
+                  </a:moveTo>
+                  <a:lnTo>
+                    <a:pt x="1521126" y="621898"/>
+                  </a:lnTo>
+                  <a:lnTo>
+                    <a:pt x="1580761" y="6314272"/>
+                  </a:lnTo>
+                  <a:lnTo>
+                    <a:pt x="10378" y="6314272"/>
+                  </a:lnTo>
+                  <a:cubicBezTo>
+                    <a:pt x="13691" y="4243620"/>
+                    <a:pt x="-2873" y="2070652"/>
+                    <a:pt x="440" y="0"/>
+                  </a:cubicBezTo>
+                  <a:close/>
+                </a:path>
+              </a:pathLst>
+            </a:custGeom>
+            <a:grpFill/>
+            <a:ln>
+              <a:noFill/>
+            </a:ln>
+          </p:spPr>
+          <p:style>
+            <a:lnRef idx="2">
+              <a:schemeClr val="accent1">
+                <a:shade val="50000"/>
+              </a:schemeClr>
+            </a:lnRef>
+            <a:fillRef idx="1">
+              <a:schemeClr val="accent1"/>
+            </a:fillRef>
+            <a:effectRef idx="0">
+              <a:schemeClr val="accent1"/>
+            </a:effectRef>
+            <a:fontRef idx="minor">
+              <a:schemeClr val="lt1"/>
+            </a:fontRef>
+          </p:style>
+          <p:txBody>
+            <a:bodyPr rtlCol="0" anchor="ctr"/>
+            <a:lstStyle/>
+            <a:p>
+              <a:pPr algn="ctr"/>
+              <a:endParaRPr lang="hu-HU" dirty="0"/>
+            </a:p>
+          </p:txBody>
+        </p:sp>
+        <p:sp>
+          <p:nvSpPr>
+            <p:cNvPr id="7" name="Téglalap 29">
+              <a:extLst>
+                <a:ext uri="{FF2B5EF4-FFF2-40B4-BE49-F238E27FC236}">
+                  <a16:creationId xmlns:a16="http://schemas.microsoft.com/office/drawing/2014/main" id="{75B30879-D2CE-4B3B-A5BF-2EA11B4FC87F}"/>
+                </a:ext>
+              </a:extLst>
+            </p:cNvPr>
+            <p:cNvSpPr/>
+            <p:nvPr/>
+          </p:nvSpPr>
+          <p:spPr>
+            <a:xfrm>
+              <a:off x="3419062" y="1659835"/>
+              <a:ext cx="1072988" cy="5227983"/>
+            </a:xfrm>
+            <a:custGeom>
+              <a:avLst/>
+              <a:gdLst>
+                <a:gd name="connsiteX0" fmla="*/ 0 w 1579884"/>
+                <a:gd name="connsiteY0" fmla="*/ 0 h 5198165"/>
+                <a:gd name="connsiteX1" fmla="*/ 1579884 w 1579884"/>
+                <a:gd name="connsiteY1" fmla="*/ 0 h 5198165"/>
+                <a:gd name="connsiteX2" fmla="*/ 1579884 w 1579884"/>
+                <a:gd name="connsiteY2" fmla="*/ 5198165 h 5198165"/>
+                <a:gd name="connsiteX3" fmla="*/ 0 w 1579884"/>
+                <a:gd name="connsiteY3" fmla="*/ 5198165 h 5198165"/>
+                <a:gd name="connsiteX4" fmla="*/ 0 w 1579884"/>
+                <a:gd name="connsiteY4" fmla="*/ 0 h 5198165"/>
+                <a:gd name="connsiteX0" fmla="*/ 0 w 1579884"/>
+                <a:gd name="connsiteY0" fmla="*/ 387626 h 5198165"/>
+                <a:gd name="connsiteX1" fmla="*/ 1579884 w 1579884"/>
+                <a:gd name="connsiteY1" fmla="*/ 0 h 5198165"/>
+                <a:gd name="connsiteX2" fmla="*/ 1579884 w 1579884"/>
+                <a:gd name="connsiteY2" fmla="*/ 5198165 h 5198165"/>
+                <a:gd name="connsiteX3" fmla="*/ 0 w 1579884"/>
+                <a:gd name="connsiteY3" fmla="*/ 5198165 h 5198165"/>
+                <a:gd name="connsiteX4" fmla="*/ 0 w 1579884"/>
+                <a:gd name="connsiteY4" fmla="*/ 387626 h 5198165"/>
+                <a:gd name="connsiteX0" fmla="*/ 0 w 1599762"/>
+                <a:gd name="connsiteY0" fmla="*/ 636105 h 5198165"/>
+                <a:gd name="connsiteX1" fmla="*/ 1599762 w 1599762"/>
+                <a:gd name="connsiteY1" fmla="*/ 0 h 5198165"/>
+                <a:gd name="connsiteX2" fmla="*/ 1599762 w 1599762"/>
+                <a:gd name="connsiteY2" fmla="*/ 5198165 h 5198165"/>
+                <a:gd name="connsiteX3" fmla="*/ 19878 w 1599762"/>
+                <a:gd name="connsiteY3" fmla="*/ 5198165 h 5198165"/>
+                <a:gd name="connsiteX4" fmla="*/ 0 w 1599762"/>
+                <a:gd name="connsiteY4" fmla="*/ 636105 h 5198165"/>
+                <a:gd name="connsiteX0" fmla="*/ 566531 w 1579884"/>
+                <a:gd name="connsiteY0" fmla="*/ 427383 h 5198165"/>
+                <a:gd name="connsiteX1" fmla="*/ 1579884 w 1579884"/>
+                <a:gd name="connsiteY1" fmla="*/ 0 h 5198165"/>
+                <a:gd name="connsiteX2" fmla="*/ 1579884 w 1579884"/>
+                <a:gd name="connsiteY2" fmla="*/ 5198165 h 5198165"/>
+                <a:gd name="connsiteX3" fmla="*/ 0 w 1579884"/>
+                <a:gd name="connsiteY3" fmla="*/ 5198165 h 5198165"/>
+                <a:gd name="connsiteX4" fmla="*/ 566531 w 1579884"/>
+                <a:gd name="connsiteY4" fmla="*/ 427383 h 5198165"/>
+                <a:gd name="connsiteX0" fmla="*/ 79514 w 1092867"/>
+                <a:gd name="connsiteY0" fmla="*/ 427383 h 5277678"/>
+                <a:gd name="connsiteX1" fmla="*/ 1092867 w 1092867"/>
+                <a:gd name="connsiteY1" fmla="*/ 0 h 5277678"/>
+                <a:gd name="connsiteX2" fmla="*/ 1092867 w 1092867"/>
+                <a:gd name="connsiteY2" fmla="*/ 5198165 h 5277678"/>
+                <a:gd name="connsiteX3" fmla="*/ 0 w 1092867"/>
+                <a:gd name="connsiteY3" fmla="*/ 5277678 h 5277678"/>
+                <a:gd name="connsiteX4" fmla="*/ 79514 w 1092867"/>
+                <a:gd name="connsiteY4" fmla="*/ 427383 h 5277678"/>
+                <a:gd name="connsiteX0" fmla="*/ 79514 w 1152502"/>
+                <a:gd name="connsiteY0" fmla="*/ 427383 h 5277678"/>
+                <a:gd name="connsiteX1" fmla="*/ 1092867 w 1152502"/>
+                <a:gd name="connsiteY1" fmla="*/ 0 h 5277678"/>
+                <a:gd name="connsiteX2" fmla="*/ 1152502 w 1152502"/>
+                <a:gd name="connsiteY2" fmla="*/ 5198165 h 5277678"/>
+                <a:gd name="connsiteX3" fmla="*/ 0 w 1152502"/>
+                <a:gd name="connsiteY3" fmla="*/ 5277678 h 5277678"/>
+                <a:gd name="connsiteX4" fmla="*/ 79514 w 1152502"/>
+                <a:gd name="connsiteY4" fmla="*/ 427383 h 5277678"/>
+                <a:gd name="connsiteX0" fmla="*/ 49696 w 1122684"/>
+                <a:gd name="connsiteY0" fmla="*/ 427383 h 5198165"/>
+                <a:gd name="connsiteX1" fmla="*/ 1063049 w 1122684"/>
+                <a:gd name="connsiteY1" fmla="*/ 0 h 5198165"/>
+                <a:gd name="connsiteX2" fmla="*/ 1122684 w 1122684"/>
+                <a:gd name="connsiteY2" fmla="*/ 5198165 h 5198165"/>
+                <a:gd name="connsiteX3" fmla="*/ 0 w 1122684"/>
+                <a:gd name="connsiteY3" fmla="*/ 5188226 h 5198165"/>
+                <a:gd name="connsiteX4" fmla="*/ 49696 w 1122684"/>
+                <a:gd name="connsiteY4" fmla="*/ 427383 h 5198165"/>
+                <a:gd name="connsiteX0" fmla="*/ 0 w 1072988"/>
+                <a:gd name="connsiteY0" fmla="*/ 427383 h 5227983"/>
+                <a:gd name="connsiteX1" fmla="*/ 1013353 w 1072988"/>
+                <a:gd name="connsiteY1" fmla="*/ 0 h 5227983"/>
+                <a:gd name="connsiteX2" fmla="*/ 1072988 w 1072988"/>
+                <a:gd name="connsiteY2" fmla="*/ 5198165 h 5227983"/>
+                <a:gd name="connsiteX3" fmla="*/ 29817 w 1072988"/>
+                <a:gd name="connsiteY3" fmla="*/ 5227983 h 5227983"/>
+                <a:gd name="connsiteX4" fmla="*/ 0 w 1072988"/>
+                <a:gd name="connsiteY4" fmla="*/ 427383 h 5227983"/>
+              </a:gdLst>
+              <a:ahLst/>
+              <a:cxnLst>
+                <a:cxn ang="0">
+                  <a:pos x="connsiteX0" y="connsiteY0"/>
+                </a:cxn>
+                <a:cxn ang="0">
+                  <a:pos x="connsiteX1" y="connsiteY1"/>
+                </a:cxn>
+                <a:cxn ang="0">
+                  <a:pos x="connsiteX2" y="connsiteY2"/>
+                </a:cxn>
+                <a:cxn ang="0">
+                  <a:pos x="connsiteX3" y="connsiteY3"/>
+                </a:cxn>
+                <a:cxn ang="0">
+                  <a:pos x="connsiteX4" y="connsiteY4"/>
+                </a:cxn>
+              </a:cxnLst>
+              <a:rect l="l" t="t" r="r" b="b"/>
+              <a:pathLst>
+                <a:path w="1072988" h="5227983">
+                  <a:moveTo>
+                    <a:pt x="0" y="427383"/>
+                  </a:moveTo>
+                  <a:lnTo>
+                    <a:pt x="1013353" y="0"/>
+                  </a:lnTo>
+                  <a:lnTo>
+                    <a:pt x="1072988" y="5198165"/>
+                  </a:lnTo>
+                  <a:lnTo>
+                    <a:pt x="29817" y="5227983"/>
+                  </a:lnTo>
+                  <a:lnTo>
+                    <a:pt x="0" y="427383"/>
+                  </a:lnTo>
+                  <a:close/>
+                </a:path>
+              </a:pathLst>
+            </a:custGeom>
+            <a:grpFill/>
+            <a:ln>
+              <a:noFill/>
+            </a:ln>
+          </p:spPr>
+          <p:style>
+            <a:lnRef idx="2">
+              <a:schemeClr val="accent1">
+                <a:shade val="50000"/>
+              </a:schemeClr>
+            </a:lnRef>
+            <a:fillRef idx="1">
+              <a:schemeClr val="accent1"/>
+            </a:fillRef>
+            <a:effectRef idx="0">
+              <a:schemeClr val="accent1"/>
+            </a:effectRef>
+            <a:fontRef idx="minor">
+              <a:schemeClr val="lt1"/>
+            </a:fontRef>
+          </p:style>
+          <p:txBody>
+            <a:bodyPr rtlCol="0" anchor="ctr"/>
+            <a:lstStyle/>
+            <a:p>
+              <a:pPr algn="ctr"/>
+              <a:endParaRPr lang="hu-HU" dirty="0"/>
+            </a:p>
+          </p:txBody>
+        </p:sp>
+        <p:sp>
+          <p:nvSpPr>
+            <p:cNvPr id="8" name="Téglalap 7">
+              <a:extLst>
+                <a:ext uri="{FF2B5EF4-FFF2-40B4-BE49-F238E27FC236}">
+                  <a16:creationId xmlns:a16="http://schemas.microsoft.com/office/drawing/2014/main" id="{F7808195-982E-4FCA-9B5E-A2CDF0B72ED8}"/>
+                </a:ext>
+              </a:extLst>
+            </p:cNvPr>
+            <p:cNvSpPr/>
+            <p:nvPr/>
+          </p:nvSpPr>
+          <p:spPr>
+            <a:xfrm>
+              <a:off x="3756555" y="1421293"/>
+              <a:ext cx="1461052" cy="874643"/>
+            </a:xfrm>
+            <a:prstGeom prst="rect">
+              <a:avLst/>
+            </a:prstGeom>
+            <a:grpFill/>
+            <a:ln>
+              <a:noFill/>
+            </a:ln>
+          </p:spPr>
+          <p:style>
+            <a:lnRef idx="2">
+              <a:schemeClr val="accent1">
+                <a:shade val="50000"/>
+              </a:schemeClr>
+            </a:lnRef>
+            <a:fillRef idx="1">
+              <a:schemeClr val="accent1"/>
+            </a:fillRef>
+            <a:effectRef idx="0">
+              <a:schemeClr val="accent1"/>
+            </a:effectRef>
+            <a:fontRef idx="minor">
+              <a:schemeClr val="lt1"/>
+            </a:fontRef>
+          </p:style>
+          <p:txBody>
+            <a:bodyPr rtlCol="0" anchor="ctr"/>
+            <a:lstStyle/>
+            <a:p>
+              <a:pPr algn="ctr"/>
+              <a:endParaRPr lang="hu-HU" dirty="0"/>
+            </a:p>
+          </p:txBody>
+        </p:sp>
+        <p:sp>
+          <p:nvSpPr>
+            <p:cNvPr id="9" name="Ellipszis 8">
+              <a:extLst>
+                <a:ext uri="{FF2B5EF4-FFF2-40B4-BE49-F238E27FC236}">
+                  <a16:creationId xmlns:a16="http://schemas.microsoft.com/office/drawing/2014/main" id="{3CEF2EF3-FE15-4D99-9BBB-BA02B9C6204F}"/>
+                </a:ext>
+              </a:extLst>
+            </p:cNvPr>
+            <p:cNvSpPr/>
+            <p:nvPr/>
+          </p:nvSpPr>
+          <p:spPr>
+            <a:xfrm>
+              <a:off x="3756555" y="1033670"/>
+              <a:ext cx="1461052" cy="665922"/>
+            </a:xfrm>
+            <a:prstGeom prst="ellipse">
+              <a:avLst/>
+            </a:prstGeom>
+            <a:grpFill/>
+            <a:ln>
+              <a:noFill/>
+            </a:ln>
+          </p:spPr>
+          <p:style>
+            <a:lnRef idx="2">
+              <a:schemeClr val="accent1">
+                <a:shade val="50000"/>
+              </a:schemeClr>
+            </a:lnRef>
+            <a:fillRef idx="1">
+              <a:schemeClr val="accent1"/>
+            </a:fillRef>
+            <a:effectRef idx="0">
+              <a:schemeClr val="accent1"/>
+            </a:effectRef>
+            <a:fontRef idx="minor">
+              <a:schemeClr val="lt1"/>
+            </a:fontRef>
+          </p:style>
+          <p:txBody>
+            <a:bodyPr rtlCol="0" anchor="ctr"/>
+            <a:lstStyle/>
+            <a:p>
+              <a:pPr algn="ctr"/>
+              <a:endParaRPr lang="hu-HU" dirty="0"/>
+            </a:p>
+          </p:txBody>
+        </p:sp>
+        <p:sp>
+          <p:nvSpPr>
+            <p:cNvPr id="10" name="Téglalap 9">
+              <a:extLst>
+                <a:ext uri="{FF2B5EF4-FFF2-40B4-BE49-F238E27FC236}">
+                  <a16:creationId xmlns:a16="http://schemas.microsoft.com/office/drawing/2014/main" id="{C44E79E9-E6AE-4085-B7DC-288F5DB2FAD4}"/>
+                </a:ext>
+              </a:extLst>
+            </p:cNvPr>
+            <p:cNvSpPr/>
+            <p:nvPr/>
+          </p:nvSpPr>
+          <p:spPr>
+            <a:xfrm>
+              <a:off x="4418388" y="54666"/>
+              <a:ext cx="137386" cy="665922"/>
+            </a:xfrm>
+            <a:prstGeom prst="rect">
+              <a:avLst/>
+            </a:prstGeom>
+            <a:grpFill/>
+            <a:ln>
+              <a:noFill/>
+            </a:ln>
+          </p:spPr>
+          <p:style>
+            <a:lnRef idx="2">
+              <a:schemeClr val="dk1">
+                <a:shade val="50000"/>
+              </a:schemeClr>
+            </a:lnRef>
+            <a:fillRef idx="1">
+              <a:schemeClr val="dk1"/>
+            </a:fillRef>
+            <a:effectRef idx="0">
+              <a:schemeClr val="dk1"/>
+            </a:effectRef>
+            <a:fontRef idx="minor">
+              <a:schemeClr val="lt1"/>
+            </a:fontRef>
+          </p:style>
+          <p:txBody>
+            <a:bodyPr rtlCol="0" anchor="ctr"/>
+            <a:lstStyle/>
+            <a:p>
+              <a:pPr algn="ctr"/>
+              <a:endParaRPr lang="hu-HU" dirty="0"/>
+            </a:p>
+          </p:txBody>
+        </p:sp>
+        <p:sp>
+          <p:nvSpPr>
+            <p:cNvPr id="11" name="Téglalap 10">
+              <a:extLst>
+                <a:ext uri="{FF2B5EF4-FFF2-40B4-BE49-F238E27FC236}">
+                  <a16:creationId xmlns:a16="http://schemas.microsoft.com/office/drawing/2014/main" id="{6A0DC5E0-84C7-496E-A5B2-95AAAA67381D}"/>
+                </a:ext>
+              </a:extLst>
+            </p:cNvPr>
+            <p:cNvSpPr/>
+            <p:nvPr/>
+          </p:nvSpPr>
+          <p:spPr>
+            <a:xfrm rot="5400000">
+              <a:off x="4438710" y="55328"/>
+              <a:ext cx="106680" cy="472440"/>
+            </a:xfrm>
+            <a:prstGeom prst="rect">
+              <a:avLst/>
+            </a:prstGeom>
+            <a:grpFill/>
+            <a:ln>
+              <a:noFill/>
+            </a:ln>
+          </p:spPr>
+          <p:style>
+            <a:lnRef idx="2">
+              <a:schemeClr val="dk1">
+                <a:shade val="50000"/>
+              </a:schemeClr>
+            </a:lnRef>
+            <a:fillRef idx="1">
+              <a:schemeClr val="dk1"/>
+            </a:fillRef>
+            <a:effectRef idx="0">
+              <a:schemeClr val="dk1"/>
+            </a:effectRef>
+            <a:fontRef idx="minor">
+              <a:schemeClr val="lt1"/>
+            </a:fontRef>
+          </p:style>
+          <p:txBody>
+            <a:bodyPr rtlCol="0" anchor="ctr"/>
+            <a:lstStyle/>
+            <a:p>
+              <a:pPr algn="ctr"/>
+              <a:endParaRPr lang="hu-HU" dirty="0"/>
+            </a:p>
+          </p:txBody>
+        </p:sp>
+        <p:sp>
+          <p:nvSpPr>
+            <p:cNvPr id="12" name="Téglalap 38">
+              <a:extLst>
+                <a:ext uri="{FF2B5EF4-FFF2-40B4-BE49-F238E27FC236}">
+                  <a16:creationId xmlns:a16="http://schemas.microsoft.com/office/drawing/2014/main" id="{135A2C9A-3413-4B45-8941-2842369FA570}"/>
+                </a:ext>
+              </a:extLst>
+            </p:cNvPr>
+            <p:cNvSpPr/>
+            <p:nvPr/>
+          </p:nvSpPr>
+          <p:spPr>
+            <a:xfrm rot="21254373">
+              <a:off x="-221699" y="3755986"/>
+              <a:ext cx="3895523" cy="3288730"/>
+            </a:xfrm>
+            <a:custGeom>
+              <a:avLst/>
+              <a:gdLst>
+                <a:gd name="connsiteX0" fmla="*/ 0 w 4737672"/>
+                <a:gd name="connsiteY0" fmla="*/ 0 h 3703500"/>
+                <a:gd name="connsiteX1" fmla="*/ 4737672 w 4737672"/>
+                <a:gd name="connsiteY1" fmla="*/ 0 h 3703500"/>
+                <a:gd name="connsiteX2" fmla="*/ 4737672 w 4737672"/>
+                <a:gd name="connsiteY2" fmla="*/ 3703500 h 3703500"/>
+                <a:gd name="connsiteX3" fmla="*/ 0 w 4737672"/>
+                <a:gd name="connsiteY3" fmla="*/ 3703500 h 3703500"/>
+                <a:gd name="connsiteX4" fmla="*/ 0 w 4737672"/>
+                <a:gd name="connsiteY4" fmla="*/ 0 h 3703500"/>
+                <a:gd name="connsiteX0" fmla="*/ 785552 w 4737672"/>
+                <a:gd name="connsiteY0" fmla="*/ 0 h 3746793"/>
+                <a:gd name="connsiteX1" fmla="*/ 4737672 w 4737672"/>
+                <a:gd name="connsiteY1" fmla="*/ 43293 h 3746793"/>
+                <a:gd name="connsiteX2" fmla="*/ 4737672 w 4737672"/>
+                <a:gd name="connsiteY2" fmla="*/ 3746793 h 3746793"/>
+                <a:gd name="connsiteX3" fmla="*/ 0 w 4737672"/>
+                <a:gd name="connsiteY3" fmla="*/ 3746793 h 3746793"/>
+                <a:gd name="connsiteX4" fmla="*/ 785552 w 4737672"/>
+                <a:gd name="connsiteY4" fmla="*/ 0 h 3746793"/>
+                <a:gd name="connsiteX0" fmla="*/ 210086 w 4162206"/>
+                <a:gd name="connsiteY0" fmla="*/ 0 h 3746793"/>
+                <a:gd name="connsiteX1" fmla="*/ 4162206 w 4162206"/>
+                <a:gd name="connsiteY1" fmla="*/ 43293 h 3746793"/>
+                <a:gd name="connsiteX2" fmla="*/ 4162206 w 4162206"/>
+                <a:gd name="connsiteY2" fmla="*/ 3746793 h 3746793"/>
+                <a:gd name="connsiteX3" fmla="*/ 0 w 4162206"/>
+                <a:gd name="connsiteY3" fmla="*/ 2901122 h 3746793"/>
+                <a:gd name="connsiteX4" fmla="*/ 210086 w 4162206"/>
+                <a:gd name="connsiteY4" fmla="*/ 0 h 3746793"/>
+                <a:gd name="connsiteX0" fmla="*/ 281446 w 4233566"/>
+                <a:gd name="connsiteY0" fmla="*/ 0 h 3746793"/>
+                <a:gd name="connsiteX1" fmla="*/ 4233566 w 4233566"/>
+                <a:gd name="connsiteY1" fmla="*/ 43293 h 3746793"/>
+                <a:gd name="connsiteX2" fmla="*/ 4233566 w 4233566"/>
+                <a:gd name="connsiteY2" fmla="*/ 3746793 h 3746793"/>
+                <a:gd name="connsiteX3" fmla="*/ 0 w 4233566"/>
+                <a:gd name="connsiteY3" fmla="*/ 3001145 h 3746793"/>
+                <a:gd name="connsiteX4" fmla="*/ 281446 w 4233566"/>
+                <a:gd name="connsiteY4" fmla="*/ 0 h 3746793"/>
+                <a:gd name="connsiteX0" fmla="*/ 281446 w 4233566"/>
+                <a:gd name="connsiteY0" fmla="*/ 0 h 3429233"/>
+                <a:gd name="connsiteX1" fmla="*/ 4233566 w 4233566"/>
+                <a:gd name="connsiteY1" fmla="*/ 43293 h 3429233"/>
+                <a:gd name="connsiteX2" fmla="*/ 3515051 w 4233566"/>
+                <a:gd name="connsiteY2" fmla="*/ 3429233 h 3429233"/>
+                <a:gd name="connsiteX3" fmla="*/ 0 w 4233566"/>
+                <a:gd name="connsiteY3" fmla="*/ 3001145 h 3429233"/>
+                <a:gd name="connsiteX4" fmla="*/ 281446 w 4233566"/>
+                <a:gd name="connsiteY4" fmla="*/ 0 h 3429233"/>
+                <a:gd name="connsiteX0" fmla="*/ 281446 w 3834738"/>
+                <a:gd name="connsiteY0" fmla="*/ 0 h 3429233"/>
+                <a:gd name="connsiteX1" fmla="*/ 3834738 w 3834738"/>
+                <a:gd name="connsiteY1" fmla="*/ 49011 h 3429233"/>
+                <a:gd name="connsiteX2" fmla="*/ 3515051 w 3834738"/>
+                <a:gd name="connsiteY2" fmla="*/ 3429233 h 3429233"/>
+                <a:gd name="connsiteX3" fmla="*/ 0 w 3834738"/>
+                <a:gd name="connsiteY3" fmla="*/ 3001145 h 3429233"/>
+                <a:gd name="connsiteX4" fmla="*/ 281446 w 3834738"/>
+                <a:gd name="connsiteY4" fmla="*/ 0 h 3429233"/>
+                <a:gd name="connsiteX0" fmla="*/ 342231 w 3895523"/>
+                <a:gd name="connsiteY0" fmla="*/ 0 h 3429233"/>
+                <a:gd name="connsiteX1" fmla="*/ 3895523 w 3895523"/>
+                <a:gd name="connsiteY1" fmla="*/ 49011 h 3429233"/>
+                <a:gd name="connsiteX2" fmla="*/ 3575836 w 3895523"/>
+                <a:gd name="connsiteY2" fmla="*/ 3429233 h 3429233"/>
+                <a:gd name="connsiteX3" fmla="*/ 0 w 3895523"/>
+                <a:gd name="connsiteY3" fmla="*/ 3148187 h 3429233"/>
+                <a:gd name="connsiteX4" fmla="*/ 342231 w 3895523"/>
+                <a:gd name="connsiteY4" fmla="*/ 0 h 3429233"/>
+                <a:gd name="connsiteX0" fmla="*/ 255575 w 3895523"/>
+                <a:gd name="connsiteY0" fmla="*/ 209644 h 3380222"/>
+                <a:gd name="connsiteX1" fmla="*/ 3895523 w 3895523"/>
+                <a:gd name="connsiteY1" fmla="*/ 0 h 3380222"/>
+                <a:gd name="connsiteX2" fmla="*/ 3575836 w 3895523"/>
+                <a:gd name="connsiteY2" fmla="*/ 3380222 h 3380222"/>
+                <a:gd name="connsiteX3" fmla="*/ 0 w 3895523"/>
+                <a:gd name="connsiteY3" fmla="*/ 3099176 h 3380222"/>
+                <a:gd name="connsiteX4" fmla="*/ 255575 w 3895523"/>
+                <a:gd name="connsiteY4" fmla="*/ 209644 h 3380222"/>
+              </a:gdLst>
+              <a:ahLst/>
+              <a:cxnLst>
+                <a:cxn ang="0">
+                  <a:pos x="connsiteX0" y="connsiteY0"/>
+                </a:cxn>
+                <a:cxn ang="0">
+                  <a:pos x="connsiteX1" y="connsiteY1"/>
+                </a:cxn>
+                <a:cxn ang="0">
+                  <a:pos x="connsiteX2" y="connsiteY2"/>
+                </a:cxn>
+                <a:cxn ang="0">
+                  <a:pos x="connsiteX3" y="connsiteY3"/>
+                </a:cxn>
+                <a:cxn ang="0">
+                  <a:pos x="connsiteX4" y="connsiteY4"/>
+                </a:cxn>
+              </a:cxnLst>
+              <a:rect l="l" t="t" r="r" b="b"/>
+              <a:pathLst>
+                <a:path w="3895523" h="3380222">
+                  <a:moveTo>
+                    <a:pt x="255575" y="209644"/>
+                  </a:moveTo>
+                  <a:lnTo>
+                    <a:pt x="3895523" y="0"/>
+                  </a:lnTo>
+                  <a:lnTo>
+                    <a:pt x="3575836" y="3380222"/>
+                  </a:lnTo>
+                  <a:lnTo>
+                    <a:pt x="0" y="3099176"/>
+                  </a:lnTo>
+                  <a:lnTo>
+                    <a:pt x="255575" y="209644"/>
+                  </a:lnTo>
+                  <a:close/>
+                </a:path>
+              </a:pathLst>
+            </a:custGeom>
+            <a:grpFill/>
+            <a:ln>
+              <a:noFill/>
+            </a:ln>
+          </p:spPr>
+          <p:style>
+            <a:lnRef idx="2">
+              <a:schemeClr val="accent1">
+                <a:shade val="50000"/>
+              </a:schemeClr>
+            </a:lnRef>
+            <a:fillRef idx="1">
+              <a:schemeClr val="accent1"/>
+            </a:fillRef>
+            <a:effectRef idx="0">
+              <a:schemeClr val="accent1"/>
+            </a:effectRef>
+            <a:fontRef idx="minor">
+              <a:schemeClr val="lt1"/>
+            </a:fontRef>
+          </p:style>
+          <p:txBody>
+            <a:bodyPr rtlCol="0" anchor="ctr"/>
+            <a:lstStyle/>
+            <a:p>
+              <a:pPr algn="ctr"/>
+              <a:endParaRPr lang="hu-HU" dirty="0"/>
+            </a:p>
+          </p:txBody>
+        </p:sp>
+        <p:sp>
+          <p:nvSpPr>
+            <p:cNvPr id="13" name="Háromszög 12">
+              <a:extLst>
+                <a:ext uri="{FF2B5EF4-FFF2-40B4-BE49-F238E27FC236}">
+                  <a16:creationId xmlns:a16="http://schemas.microsoft.com/office/drawing/2014/main" id="{E9BCCF2E-22D6-49B9-BB74-6B6C6CE32341}"/>
+                </a:ext>
+              </a:extLst>
+            </p:cNvPr>
+            <p:cNvSpPr/>
+            <p:nvPr/>
+          </p:nvSpPr>
+          <p:spPr>
+            <a:xfrm rot="21096283">
+              <a:off x="-285643" y="3123022"/>
+              <a:ext cx="3921777" cy="854179"/>
+            </a:xfrm>
+            <a:prstGeom prst="triangle">
+              <a:avLst/>
+            </a:prstGeom>
+            <a:grpFill/>
+            <a:ln>
+              <a:noFill/>
+            </a:ln>
+          </p:spPr>
+          <p:style>
+            <a:lnRef idx="2">
+              <a:schemeClr val="accent1">
+                <a:shade val="50000"/>
+              </a:schemeClr>
+            </a:lnRef>
+            <a:fillRef idx="1">
+              <a:schemeClr val="accent1"/>
+            </a:fillRef>
+            <a:effectRef idx="0">
+              <a:schemeClr val="accent1"/>
+            </a:effectRef>
+            <a:fontRef idx="minor">
+              <a:schemeClr val="lt1"/>
+            </a:fontRef>
+          </p:style>
+          <p:txBody>
+            <a:bodyPr rtlCol="0" anchor="ctr"/>
+            <a:lstStyle/>
+            <a:p>
+              <a:pPr algn="ctr"/>
+              <a:endParaRPr lang="hu-HU" dirty="0"/>
+            </a:p>
+          </p:txBody>
+        </p:sp>
+        <p:sp>
+          <p:nvSpPr>
+            <p:cNvPr id="14" name="Ellipszis 13">
+              <a:extLst>
+                <a:ext uri="{FF2B5EF4-FFF2-40B4-BE49-F238E27FC236}">
+                  <a16:creationId xmlns:a16="http://schemas.microsoft.com/office/drawing/2014/main" id="{ED6AF758-8215-40A4-A7F1-3F6B814F0FAD}"/>
+                </a:ext>
+              </a:extLst>
+            </p:cNvPr>
+            <p:cNvSpPr/>
+            <p:nvPr/>
+          </p:nvSpPr>
+          <p:spPr>
+            <a:xfrm>
+              <a:off x="3938453" y="2267821"/>
+              <a:ext cx="317377" cy="375897"/>
+            </a:xfrm>
+            <a:prstGeom prst="ellipse">
+              <a:avLst/>
+            </a:prstGeom>
+            <a:grpFill/>
+            <a:ln>
+              <a:noFill/>
+            </a:ln>
+          </p:spPr>
+          <p:style>
+            <a:lnRef idx="2">
+              <a:schemeClr val="dk1">
+                <a:shade val="50000"/>
+              </a:schemeClr>
+            </a:lnRef>
+            <a:fillRef idx="1">
+              <a:schemeClr val="dk1"/>
+            </a:fillRef>
+            <a:effectRef idx="0">
+              <a:schemeClr val="dk1"/>
+            </a:effectRef>
+            <a:fontRef idx="minor">
+              <a:schemeClr val="lt1"/>
+            </a:fontRef>
+          </p:style>
+          <p:txBody>
+            <a:bodyPr rtlCol="0" anchor="ctr"/>
+            <a:lstStyle/>
+            <a:p>
+              <a:pPr algn="ctr"/>
+              <a:endParaRPr lang="hu-HU" dirty="0"/>
+            </a:p>
+          </p:txBody>
+        </p:sp>
+        <p:sp>
+          <p:nvSpPr>
+            <p:cNvPr id="15" name="Ellipszis 14">
+              <a:extLst>
+                <a:ext uri="{FF2B5EF4-FFF2-40B4-BE49-F238E27FC236}">
+                  <a16:creationId xmlns:a16="http://schemas.microsoft.com/office/drawing/2014/main" id="{8E85B21A-93E2-433E-A4FF-35B8463DFFDF}"/>
+                </a:ext>
+              </a:extLst>
+            </p:cNvPr>
+            <p:cNvSpPr/>
+            <p:nvPr/>
+          </p:nvSpPr>
+          <p:spPr>
+            <a:xfrm>
+              <a:off x="4940095" y="2279373"/>
+              <a:ext cx="256746" cy="375897"/>
+            </a:xfrm>
+            <a:prstGeom prst="ellipse">
+              <a:avLst/>
+            </a:prstGeom>
+            <a:grpFill/>
+            <a:ln>
+              <a:noFill/>
+            </a:ln>
+          </p:spPr>
+          <p:style>
+            <a:lnRef idx="2">
+              <a:schemeClr val="dk1">
+                <a:shade val="50000"/>
+              </a:schemeClr>
+            </a:lnRef>
+            <a:fillRef idx="1">
+              <a:schemeClr val="dk1"/>
+            </a:fillRef>
+            <a:effectRef idx="0">
+              <a:schemeClr val="dk1"/>
+            </a:effectRef>
+            <a:fontRef idx="minor">
+              <a:schemeClr val="lt1"/>
+            </a:fontRef>
+          </p:style>
+          <p:txBody>
+            <a:bodyPr rtlCol="0" anchor="ctr"/>
+            <a:lstStyle/>
+            <a:p>
+              <a:pPr algn="ctr"/>
+              <a:endParaRPr lang="hu-HU" dirty="0"/>
+            </a:p>
+          </p:txBody>
+        </p:sp>
+        <p:sp>
+          <p:nvSpPr>
+            <p:cNvPr id="16" name="Téglalap 44">
+              <a:extLst>
+                <a:ext uri="{FF2B5EF4-FFF2-40B4-BE49-F238E27FC236}">
+                  <a16:creationId xmlns:a16="http://schemas.microsoft.com/office/drawing/2014/main" id="{130815B6-ACE2-41FE-81E4-AA6AB3CED549}"/>
+                </a:ext>
+              </a:extLst>
+            </p:cNvPr>
+            <p:cNvSpPr/>
+            <p:nvPr/>
+          </p:nvSpPr>
+          <p:spPr>
+            <a:xfrm>
+              <a:off x="4002625" y="2713424"/>
+              <a:ext cx="248855" cy="886195"/>
+            </a:xfrm>
+            <a:custGeom>
+              <a:avLst/>
+              <a:gdLst>
+                <a:gd name="connsiteX0" fmla="*/ 0 w 226817"/>
+                <a:gd name="connsiteY0" fmla="*/ 0 h 1082513"/>
+                <a:gd name="connsiteX1" fmla="*/ 226817 w 226817"/>
+                <a:gd name="connsiteY1" fmla="*/ 0 h 1082513"/>
+                <a:gd name="connsiteX2" fmla="*/ 226817 w 226817"/>
+                <a:gd name="connsiteY2" fmla="*/ 1082513 h 1082513"/>
+                <a:gd name="connsiteX3" fmla="*/ 0 w 226817"/>
+                <a:gd name="connsiteY3" fmla="*/ 1082513 h 1082513"/>
+                <a:gd name="connsiteX4" fmla="*/ 0 w 226817"/>
+                <a:gd name="connsiteY4" fmla="*/ 0 h 1082513"/>
+                <a:gd name="connsiteX0" fmla="*/ 0 w 226817"/>
+                <a:gd name="connsiteY0" fmla="*/ 50800 h 1082513"/>
+                <a:gd name="connsiteX1" fmla="*/ 226817 w 226817"/>
+                <a:gd name="connsiteY1" fmla="*/ 0 h 1082513"/>
+                <a:gd name="connsiteX2" fmla="*/ 226817 w 226817"/>
+                <a:gd name="connsiteY2" fmla="*/ 1082513 h 1082513"/>
+                <a:gd name="connsiteX3" fmla="*/ 0 w 226817"/>
+                <a:gd name="connsiteY3" fmla="*/ 1082513 h 1082513"/>
+                <a:gd name="connsiteX4" fmla="*/ 0 w 226817"/>
+                <a:gd name="connsiteY4" fmla="*/ 50800 h 1082513"/>
+                <a:gd name="connsiteX0" fmla="*/ 0 w 226817"/>
+                <a:gd name="connsiteY0" fmla="*/ 50800 h 1082513"/>
+                <a:gd name="connsiteX1" fmla="*/ 226817 w 226817"/>
+                <a:gd name="connsiteY1" fmla="*/ 0 h 1082513"/>
+                <a:gd name="connsiteX2" fmla="*/ 219197 w 226817"/>
+                <a:gd name="connsiteY2" fmla="*/ 1041873 h 1082513"/>
+                <a:gd name="connsiteX3" fmla="*/ 0 w 226817"/>
+                <a:gd name="connsiteY3" fmla="*/ 1082513 h 1082513"/>
+                <a:gd name="connsiteX4" fmla="*/ 0 w 226817"/>
+                <a:gd name="connsiteY4" fmla="*/ 50800 h 1082513"/>
+              </a:gdLst>
+              <a:ahLst/>
+              <a:cxnLst>
+                <a:cxn ang="0">
+                  <a:pos x="connsiteX0" y="connsiteY0"/>
+                </a:cxn>
+                <a:cxn ang="0">
+                  <a:pos x="connsiteX1" y="connsiteY1"/>
+                </a:cxn>
+                <a:cxn ang="0">
+                  <a:pos x="connsiteX2" y="connsiteY2"/>
+                </a:cxn>
+                <a:cxn ang="0">
+                  <a:pos x="connsiteX3" y="connsiteY3"/>
+                </a:cxn>
+                <a:cxn ang="0">
+                  <a:pos x="connsiteX4" y="connsiteY4"/>
+                </a:cxn>
+              </a:cxnLst>
+              <a:rect l="l" t="t" r="r" b="b"/>
+              <a:pathLst>
+                <a:path w="226817" h="1082513">
+                  <a:moveTo>
+                    <a:pt x="0" y="50800"/>
+                  </a:moveTo>
+                  <a:lnTo>
+                    <a:pt x="226817" y="0"/>
+                  </a:lnTo>
+                  <a:lnTo>
+                    <a:pt x="219197" y="1041873"/>
+                  </a:lnTo>
+                  <a:lnTo>
+                    <a:pt x="0" y="1082513"/>
+                  </a:lnTo>
+                  <a:lnTo>
+                    <a:pt x="0" y="50800"/>
+                  </a:lnTo>
+                  <a:close/>
+                </a:path>
+              </a:pathLst>
+            </a:custGeom>
+            <a:grpFill/>
+            <a:ln>
+              <a:noFill/>
+            </a:ln>
+          </p:spPr>
+          <p:style>
+            <a:lnRef idx="2">
+              <a:schemeClr val="accent1">
+                <a:shade val="50000"/>
+              </a:schemeClr>
+            </a:lnRef>
+            <a:fillRef idx="1">
+              <a:schemeClr val="accent1"/>
+            </a:fillRef>
+            <a:effectRef idx="0">
+              <a:schemeClr val="accent1"/>
+            </a:effectRef>
+            <a:fontRef idx="minor">
+              <a:schemeClr val="lt1"/>
+            </a:fontRef>
+          </p:style>
+          <p:txBody>
+            <a:bodyPr rtlCol="0" anchor="ctr"/>
+            <a:lstStyle/>
+            <a:p>
+              <a:pPr algn="ctr"/>
+              <a:endParaRPr lang="hu-HU" dirty="0"/>
+            </a:p>
+          </p:txBody>
+        </p:sp>
+        <p:sp>
+          <p:nvSpPr>
+            <p:cNvPr id="17" name="Téglalap 44">
+              <a:extLst>
+                <a:ext uri="{FF2B5EF4-FFF2-40B4-BE49-F238E27FC236}">
+                  <a16:creationId xmlns:a16="http://schemas.microsoft.com/office/drawing/2014/main" id="{DFBE845B-9C29-472C-8493-3FF7CA2FA97D}"/>
+                </a:ext>
+              </a:extLst>
+            </p:cNvPr>
+            <p:cNvSpPr/>
+            <p:nvPr/>
+          </p:nvSpPr>
+          <p:spPr>
+            <a:xfrm flipH="1">
+              <a:off x="4940094" y="2724976"/>
+              <a:ext cx="198435" cy="874643"/>
+            </a:xfrm>
+            <a:custGeom>
+              <a:avLst/>
+              <a:gdLst>
+                <a:gd name="connsiteX0" fmla="*/ 0 w 226817"/>
+                <a:gd name="connsiteY0" fmla="*/ 0 h 1082513"/>
+                <a:gd name="connsiteX1" fmla="*/ 226817 w 226817"/>
+                <a:gd name="connsiteY1" fmla="*/ 0 h 1082513"/>
+                <a:gd name="connsiteX2" fmla="*/ 226817 w 226817"/>
+                <a:gd name="connsiteY2" fmla="*/ 1082513 h 1082513"/>
+                <a:gd name="connsiteX3" fmla="*/ 0 w 226817"/>
+                <a:gd name="connsiteY3" fmla="*/ 1082513 h 1082513"/>
+                <a:gd name="connsiteX4" fmla="*/ 0 w 226817"/>
+                <a:gd name="connsiteY4" fmla="*/ 0 h 1082513"/>
+                <a:gd name="connsiteX0" fmla="*/ 0 w 226817"/>
+                <a:gd name="connsiteY0" fmla="*/ 50800 h 1082513"/>
+                <a:gd name="connsiteX1" fmla="*/ 226817 w 226817"/>
+                <a:gd name="connsiteY1" fmla="*/ 0 h 1082513"/>
+                <a:gd name="connsiteX2" fmla="*/ 226817 w 226817"/>
+                <a:gd name="connsiteY2" fmla="*/ 1082513 h 1082513"/>
+                <a:gd name="connsiteX3" fmla="*/ 0 w 226817"/>
+                <a:gd name="connsiteY3" fmla="*/ 1082513 h 1082513"/>
+                <a:gd name="connsiteX4" fmla="*/ 0 w 226817"/>
+                <a:gd name="connsiteY4" fmla="*/ 50800 h 1082513"/>
+                <a:gd name="connsiteX0" fmla="*/ 0 w 226817"/>
+                <a:gd name="connsiteY0" fmla="*/ 50800 h 1082513"/>
+                <a:gd name="connsiteX1" fmla="*/ 226817 w 226817"/>
+                <a:gd name="connsiteY1" fmla="*/ 0 h 1082513"/>
+                <a:gd name="connsiteX2" fmla="*/ 219197 w 226817"/>
+                <a:gd name="connsiteY2" fmla="*/ 1041873 h 1082513"/>
+                <a:gd name="connsiteX3" fmla="*/ 0 w 226817"/>
+                <a:gd name="connsiteY3" fmla="*/ 1082513 h 1082513"/>
+                <a:gd name="connsiteX4" fmla="*/ 0 w 226817"/>
+                <a:gd name="connsiteY4" fmla="*/ 50800 h 1082513"/>
+              </a:gdLst>
+              <a:ahLst/>
+              <a:cxnLst>
+                <a:cxn ang="0">
+                  <a:pos x="connsiteX0" y="connsiteY0"/>
+                </a:cxn>
+                <a:cxn ang="0">
+                  <a:pos x="connsiteX1" y="connsiteY1"/>
+                </a:cxn>
+                <a:cxn ang="0">
+                  <a:pos x="connsiteX2" y="connsiteY2"/>
+                </a:cxn>
+                <a:cxn ang="0">
+                  <a:pos x="connsiteX3" y="connsiteY3"/>
+                </a:cxn>
+                <a:cxn ang="0">
+                  <a:pos x="connsiteX4" y="connsiteY4"/>
+                </a:cxn>
+              </a:cxnLst>
+              <a:rect l="l" t="t" r="r" b="b"/>
+              <a:pathLst>
+                <a:path w="226817" h="1082513">
+                  <a:moveTo>
+                    <a:pt x="0" y="50800"/>
+                  </a:moveTo>
+                  <a:lnTo>
+                    <a:pt x="226817" y="0"/>
+                  </a:lnTo>
+                  <a:lnTo>
+                    <a:pt x="219197" y="1041873"/>
+                  </a:lnTo>
+                  <a:lnTo>
+                    <a:pt x="0" y="1082513"/>
+                  </a:lnTo>
+                  <a:lnTo>
+                    <a:pt x="0" y="50800"/>
+                  </a:lnTo>
+                  <a:close/>
+                </a:path>
+              </a:pathLst>
+            </a:custGeom>
+            <a:grpFill/>
+            <a:ln>
+              <a:noFill/>
+            </a:ln>
+          </p:spPr>
+          <p:style>
+            <a:lnRef idx="2">
+              <a:schemeClr val="accent1">
+                <a:shade val="50000"/>
+              </a:schemeClr>
+            </a:lnRef>
+            <a:fillRef idx="1">
+              <a:schemeClr val="accent1"/>
+            </a:fillRef>
+            <a:effectRef idx="0">
+              <a:schemeClr val="accent1"/>
+            </a:effectRef>
+            <a:fontRef idx="minor">
+              <a:schemeClr val="lt1"/>
+            </a:fontRef>
+          </p:style>
+          <p:txBody>
+            <a:bodyPr rtlCol="0" anchor="ctr"/>
+            <a:lstStyle/>
+            <a:p>
+              <a:pPr algn="ctr"/>
+              <a:endParaRPr lang="hu-HU" dirty="0"/>
+            </a:p>
+          </p:txBody>
+        </p:sp>
+        <p:sp>
+          <p:nvSpPr>
+            <p:cNvPr id="18" name="Ellipszis 17">
+              <a:extLst>
+                <a:ext uri="{FF2B5EF4-FFF2-40B4-BE49-F238E27FC236}">
+                  <a16:creationId xmlns:a16="http://schemas.microsoft.com/office/drawing/2014/main" id="{98F38DCA-9B5C-48DA-B0A3-DE5A243FDADE}"/>
+                </a:ext>
+              </a:extLst>
+            </p:cNvPr>
+            <p:cNvSpPr/>
+            <p:nvPr/>
+          </p:nvSpPr>
+          <p:spPr>
+            <a:xfrm>
+              <a:off x="3907230" y="4793452"/>
+              <a:ext cx="351127" cy="539292"/>
+            </a:xfrm>
+            <a:prstGeom prst="ellipse">
+              <a:avLst/>
+            </a:prstGeom>
+            <a:grpFill/>
+            <a:ln>
+              <a:noFill/>
+            </a:ln>
+          </p:spPr>
+          <p:style>
+            <a:lnRef idx="2">
+              <a:schemeClr val="dk1">
+                <a:shade val="50000"/>
+              </a:schemeClr>
+            </a:lnRef>
+            <a:fillRef idx="1">
+              <a:schemeClr val="dk1"/>
+            </a:fillRef>
+            <a:effectRef idx="0">
+              <a:schemeClr val="dk1"/>
+            </a:effectRef>
+            <a:fontRef idx="minor">
+              <a:schemeClr val="lt1"/>
+            </a:fontRef>
+          </p:style>
+          <p:txBody>
+            <a:bodyPr rtlCol="0" anchor="ctr"/>
+            <a:lstStyle/>
+            <a:p>
+              <a:pPr algn="ctr"/>
+              <a:endParaRPr lang="hu-HU" dirty="0"/>
+            </a:p>
+          </p:txBody>
+        </p:sp>
+        <p:sp>
+          <p:nvSpPr>
+            <p:cNvPr id="19" name="Ellipszis 18">
+              <a:extLst>
+                <a:ext uri="{FF2B5EF4-FFF2-40B4-BE49-F238E27FC236}">
+                  <a16:creationId xmlns:a16="http://schemas.microsoft.com/office/drawing/2014/main" id="{403F4688-9E61-4943-A1BF-ADD904AF9D93}"/>
+                </a:ext>
+              </a:extLst>
+            </p:cNvPr>
+            <p:cNvSpPr/>
+            <p:nvPr/>
+          </p:nvSpPr>
+          <p:spPr>
+            <a:xfrm>
+              <a:off x="4990167" y="4793452"/>
+              <a:ext cx="297552" cy="539292"/>
+            </a:xfrm>
+            <a:prstGeom prst="ellipse">
+              <a:avLst/>
+            </a:prstGeom>
+            <a:grpFill/>
+            <a:ln>
+              <a:noFill/>
+            </a:ln>
+          </p:spPr>
+          <p:style>
+            <a:lnRef idx="2">
+              <a:schemeClr val="dk1">
+                <a:shade val="50000"/>
+              </a:schemeClr>
+            </a:lnRef>
+            <a:fillRef idx="1">
+              <a:schemeClr val="dk1"/>
+            </a:fillRef>
+            <a:effectRef idx="0">
+              <a:schemeClr val="dk1"/>
+            </a:effectRef>
+            <a:fontRef idx="minor">
+              <a:schemeClr val="lt1"/>
+            </a:fontRef>
+          </p:style>
+          <p:txBody>
+            <a:bodyPr rtlCol="0" anchor="ctr"/>
+            <a:lstStyle/>
+            <a:p>
+              <a:pPr algn="ctr"/>
+              <a:endParaRPr lang="hu-HU" dirty="0"/>
+            </a:p>
+          </p:txBody>
+        </p:sp>
+        <p:sp>
+          <p:nvSpPr>
+            <p:cNvPr id="20" name="Ellipszis 19">
+              <a:extLst>
+                <a:ext uri="{FF2B5EF4-FFF2-40B4-BE49-F238E27FC236}">
+                  <a16:creationId xmlns:a16="http://schemas.microsoft.com/office/drawing/2014/main" id="{7AC4D746-C98D-4896-9A94-B96DDEBC6952}"/>
+                </a:ext>
+              </a:extLst>
+            </p:cNvPr>
+            <p:cNvSpPr/>
+            <p:nvPr/>
+          </p:nvSpPr>
+          <p:spPr>
+            <a:xfrm>
+              <a:off x="1516556" y="3518678"/>
+              <a:ext cx="317377" cy="375897"/>
+            </a:xfrm>
+            <a:prstGeom prst="ellipse">
+              <a:avLst/>
+            </a:prstGeom>
+            <a:grpFill/>
+            <a:ln>
+              <a:noFill/>
+            </a:ln>
+          </p:spPr>
+          <p:style>
+            <a:lnRef idx="2">
+              <a:schemeClr val="dk1">
+                <a:shade val="50000"/>
+              </a:schemeClr>
+            </a:lnRef>
+            <a:fillRef idx="1">
+              <a:schemeClr val="dk1"/>
+            </a:fillRef>
+            <a:effectRef idx="0">
+              <a:schemeClr val="dk1"/>
+            </a:effectRef>
+            <a:fontRef idx="minor">
+              <a:schemeClr val="lt1"/>
+            </a:fontRef>
+          </p:style>
+          <p:txBody>
+            <a:bodyPr rtlCol="0" anchor="ctr"/>
+            <a:lstStyle/>
+            <a:p>
+              <a:pPr algn="ctr"/>
+              <a:endParaRPr lang="hu-HU" dirty="0"/>
+            </a:p>
+          </p:txBody>
+        </p:sp>
+      </p:grpSp>
+      <p:sp>
+        <p:nvSpPr>
+          <p:cNvPr id="21" name="Szövegdoboz 20">
+            <a:extLst>
+              <a:ext uri="{FF2B5EF4-FFF2-40B4-BE49-F238E27FC236}">
+                <a16:creationId xmlns:a16="http://schemas.microsoft.com/office/drawing/2014/main" id="{DE9C0F1E-CBCE-4A6F-BBF1-1D879769397E}"/>
+              </a:ext>
+            </a:extLst>
+          </p:cNvPr>
+          <p:cNvSpPr txBox="1"/>
+          <p:nvPr/>
+        </p:nvSpPr>
+        <p:spPr>
+          <a:xfrm>
+            <a:off x="5407556" y="290156"/>
+            <a:ext cx="5079404" cy="646331"/>
+          </a:xfrm>
+          <a:prstGeom prst="rect">
+            <a:avLst/>
+          </a:prstGeom>
+          <a:noFill/>
+        </p:spPr>
+        <p:txBody>
+          <a:bodyPr wrap="none" rtlCol="0">
+            <a:spAutoFit/>
+          </a:bodyPr>
+          <a:lstStyle/>
+          <a:p>
+            <a:r>
+              <a:rPr lang="hu-HU" sz="3600" b="1" dirty="0">
+                <a:solidFill>
+                  <a:schemeClr val="bg1"/>
+                </a:solidFill>
+              </a:rPr>
+              <a:t>Helyszín: Angel Mountain</a:t>
+            </a:r>
+          </a:p>
+        </p:txBody>
+      </p:sp>
+      <p:sp>
+        <p:nvSpPr>
+          <p:cNvPr id="22" name="Ellipszis 21">
+            <a:hlinkClick r:id="rId2" action="ppaction://hlinksldjump"/>
+            <a:extLst>
+              <a:ext uri="{FF2B5EF4-FFF2-40B4-BE49-F238E27FC236}">
+                <a16:creationId xmlns:a16="http://schemas.microsoft.com/office/drawing/2014/main" id="{CA009021-87ED-48DE-A198-DC04986F9232}"/>
+              </a:ext>
+            </a:extLst>
+          </p:cNvPr>
+          <p:cNvSpPr/>
+          <p:nvPr/>
+        </p:nvSpPr>
+        <p:spPr>
+          <a:xfrm>
+            <a:off x="6811365" y="5380347"/>
+            <a:ext cx="486309" cy="420870"/>
+          </a:xfrm>
+          <a:prstGeom prst="ellipse">
+            <a:avLst/>
+          </a:prstGeom>
+          <a:solidFill>
+            <a:srgbClr val="FFFF00">
+              <a:alpha val="52000"/>
+            </a:srgbClr>
+          </a:solidFill>
+          <a:ln>
+            <a:noFill/>
+          </a:ln>
+          <a:effectLst>
+            <a:glow rad="850900">
+              <a:srgbClr val="FFFF00">
+                <a:alpha val="77000"/>
+              </a:srgbClr>
+            </a:glow>
+          </a:effectLst>
+        </p:spPr>
+        <p:style>
+          <a:lnRef idx="2">
+            <a:schemeClr val="accent1">
+              <a:shade val="50000"/>
+            </a:schemeClr>
+          </a:lnRef>
+          <a:fillRef idx="1">
+            <a:schemeClr val="accent1"/>
+          </a:fillRef>
+          <a:effectRef idx="0">
+            <a:schemeClr val="accent1"/>
+          </a:effectRef>
+          <a:fontRef idx="minor">
+            <a:schemeClr val="lt1"/>
+          </a:fontRef>
+        </p:style>
+        <p:txBody>
+          <a:bodyPr rtlCol="0" anchor="ctr"/>
+          <a:lstStyle/>
+          <a:p>
+            <a:pPr algn="ctr"/>
+            <a:r>
+              <a:rPr lang="hu-HU" dirty="0">
+                <a:solidFill>
+                  <a:srgbClr val="002060"/>
+                </a:solidFill>
+              </a:rPr>
+              <a:t>1</a:t>
+            </a:r>
+          </a:p>
+        </p:txBody>
+      </p:sp>
+      <p:sp>
+        <p:nvSpPr>
+          <p:cNvPr id="23" name="Ellipszis 22">
+            <a:extLst>
+              <a:ext uri="{FF2B5EF4-FFF2-40B4-BE49-F238E27FC236}">
+                <a16:creationId xmlns:a16="http://schemas.microsoft.com/office/drawing/2014/main" id="{7A4E7255-E837-47CC-BEA3-A6A4188B251A}"/>
+              </a:ext>
+            </a:extLst>
+          </p:cNvPr>
+          <p:cNvSpPr/>
+          <p:nvPr/>
+        </p:nvSpPr>
+        <p:spPr>
+          <a:xfrm>
+            <a:off x="2276420" y="6208030"/>
+            <a:ext cx="486309" cy="420870"/>
+          </a:xfrm>
+          <a:prstGeom prst="ellipse">
+            <a:avLst/>
+          </a:prstGeom>
+          <a:solidFill>
+            <a:srgbClr val="FFFF00">
+              <a:alpha val="52000"/>
+            </a:srgbClr>
+          </a:solidFill>
+          <a:ln>
+            <a:noFill/>
+          </a:ln>
+          <a:effectLst>
+            <a:glow rad="850900">
+              <a:srgbClr val="FFFF00">
+                <a:alpha val="77000"/>
+              </a:srgbClr>
+            </a:glow>
+          </a:effectLst>
+        </p:spPr>
+        <p:style>
+          <a:lnRef idx="2">
+            <a:schemeClr val="accent1">
+              <a:shade val="50000"/>
+            </a:schemeClr>
+          </a:lnRef>
+          <a:fillRef idx="1">
+            <a:schemeClr val="accent1"/>
+          </a:fillRef>
+          <a:effectRef idx="0">
+            <a:schemeClr val="accent1"/>
+          </a:effectRef>
+          <a:fontRef idx="minor">
+            <a:schemeClr val="lt1"/>
+          </a:fontRef>
+        </p:style>
+        <p:txBody>
+          <a:bodyPr rtlCol="0" anchor="ctr"/>
+          <a:lstStyle/>
+          <a:p>
+            <a:pPr algn="ctr"/>
+            <a:r>
+              <a:rPr lang="hu-HU" dirty="0">
+                <a:solidFill>
+                  <a:srgbClr val="002060"/>
+                </a:solidFill>
+              </a:rPr>
+              <a:t>2</a:t>
+            </a:r>
+          </a:p>
+        </p:txBody>
+      </p:sp>
+      <p:sp>
+        <p:nvSpPr>
+          <p:cNvPr id="24" name="Téglalap: lekerekített 23">
+            <a:hlinkClick r:id="rId3" action="ppaction://hlinksldjump"/>
+            <a:extLst>
+              <a:ext uri="{FF2B5EF4-FFF2-40B4-BE49-F238E27FC236}">
+                <a16:creationId xmlns:a16="http://schemas.microsoft.com/office/drawing/2014/main" id="{6A3E5EF4-BE98-4A80-8658-4CB7CCEAB43A}"/>
+              </a:ext>
+            </a:extLst>
+          </p:cNvPr>
+          <p:cNvSpPr/>
+          <p:nvPr/>
+        </p:nvSpPr>
+        <p:spPr>
+          <a:xfrm>
+            <a:off x="9201873" y="5937813"/>
+            <a:ext cx="2048719" cy="630031"/>
+          </a:xfrm>
+          <a:prstGeom prst="roundRect">
+            <a:avLst/>
+          </a:prstGeom>
+          <a:solidFill>
+            <a:srgbClr val="00B0F0"/>
+          </a:solidFill>
+        </p:spPr>
+        <p:style>
+          <a:lnRef idx="2">
+            <a:schemeClr val="accent1">
+              <a:shade val="50000"/>
+            </a:schemeClr>
+          </a:lnRef>
+          <a:fillRef idx="1">
+            <a:schemeClr val="accent1"/>
+          </a:fillRef>
+          <a:effectRef idx="0">
+            <a:schemeClr val="accent1"/>
+          </a:effectRef>
+          <a:fontRef idx="minor">
+            <a:schemeClr val="lt1"/>
+          </a:fontRef>
+        </p:style>
+        <p:txBody>
+          <a:bodyPr rtlCol="0" anchor="ctr"/>
+          <a:lstStyle/>
+          <a:p>
+            <a:pPr algn="ctr"/>
+            <a:r>
+              <a:rPr lang="hu-HU" dirty="0"/>
+              <a:t>VISSZA</a:t>
+            </a:r>
+          </a:p>
+        </p:txBody>
+      </p:sp>
+    </p:spTree>
+    <p:extLst>
+      <p:ext uri="{BB962C8B-B14F-4D97-AF65-F5344CB8AC3E}">
+        <p14:creationId xmlns:p14="http://schemas.microsoft.com/office/powerpoint/2010/main" val="4108811806"/>
+      </p:ext>
+    </p:extLst>
+  </p:cSld>
+  <p:clrMapOvr>
+    <a:masterClrMapping/>
+  </p:clrMapOvr>
+  <p:timing>
+    <p:tnLst>
+      <p:par>
+        <p:cTn id="1" dur="indefinite" restart="never" nodeType="tmRoot">
+          <p:childTnLst>
+            <p:seq concurrent="1" nextAc="seek">
+              <p:cTn id="2" dur="indefinite" nodeType="mainSeq">
+                <p:childTnLst>
+                  <p:par>
+                    <p:cTn id="3" fill="hold">
+                      <p:stCondLst>
+                        <p:cond delay="indefinite"/>
+                        <p:cond evt="onBegin" delay="0">
+                          <p:tn val="2"/>
+                        </p:cond>
+                      </p:stCondLst>
+                      <p:childTnLst>
+                        <p:par>
+                          <p:cTn id="4" fill="hold">
+                            <p:stCondLst>
+                              <p:cond delay="0"/>
+                            </p:stCondLst>
+                            <p:childTnLst>
+                              <p:par>
+                                <p:cTn id="5" presetID="10" presetClass="entr" presetSubtype="0" fill="hold" grpId="0" nodeType="withEffect">
+                                  <p:stCondLst>
+                                    <p:cond delay="1500"/>
+                                  </p:stCondLst>
+                                  <p:childTnLst>
+                                    <p:set>
+                                      <p:cBhvr>
+                                        <p:cTn id="6" dur="1" fill="hold">
+                                          <p:stCondLst>
+                                            <p:cond delay="0"/>
+                                          </p:stCondLst>
+                                        </p:cTn>
+                                        <p:tgtEl>
+                                          <p:spTgt spid="22"/>
+                                        </p:tgtEl>
+                                        <p:attrNameLst>
+                                          <p:attrName>style.visibility</p:attrName>
+                                        </p:attrNameLst>
+                                      </p:cBhvr>
+                                      <p:to>
+                                        <p:strVal val="visible"/>
+                                      </p:to>
+                                    </p:set>
+                                    <p:animEffect transition="in" filter="fade">
+                                      <p:cBhvr>
+                                        <p:cTn id="7" dur="500"/>
+                                        <p:tgtEl>
+                                          <p:spTgt spid="22"/>
+                                        </p:tgtEl>
+                                      </p:cBhvr>
+                                    </p:animEffect>
+                                  </p:childTnLst>
+                                </p:cTn>
+                              </p:par>
+                              <p:par>
+                                <p:cTn id="8" presetID="10" presetClass="entr" presetSubtype="0" fill="hold" grpId="0" nodeType="withEffect">
+                                  <p:stCondLst>
+                                    <p:cond delay="1500"/>
+                                  </p:stCondLst>
+                                  <p:childTnLst>
+                                    <p:set>
+                                      <p:cBhvr>
+                                        <p:cTn id="9" dur="1" fill="hold">
+                                          <p:stCondLst>
+                                            <p:cond delay="0"/>
+                                          </p:stCondLst>
+                                        </p:cTn>
+                                        <p:tgtEl>
+                                          <p:spTgt spid="23"/>
+                                        </p:tgtEl>
+                                        <p:attrNameLst>
+                                          <p:attrName>style.visibility</p:attrName>
+                                        </p:attrNameLst>
+                                      </p:cBhvr>
+                                      <p:to>
+                                        <p:strVal val="visible"/>
+                                      </p:to>
+                                    </p:set>
+                                    <p:animEffect transition="in" filter="fade">
+                                      <p:cBhvr>
+                                        <p:cTn id="10" dur="500"/>
+                                        <p:tgtEl>
+                                          <p:spTgt spid="23"/>
+                                        </p:tgtEl>
+                                      </p:cBhvr>
+                                    </p:animEffect>
+                                  </p:childTnLst>
+                                </p:cTn>
+                              </p:par>
+                            </p:childTnLst>
+                          </p:cTn>
+                        </p:par>
+                      </p:childTnLst>
+                    </p:cTn>
+                  </p:par>
+                </p:childTnLst>
+              </p:cTn>
+              <p:prevCondLst>
+                <p:cond evt="onPrev" delay="0">
+                  <p:tgtEl>
+                    <p:sldTgt/>
+                  </p:tgtEl>
+                </p:cond>
+              </p:prevCondLst>
+              <p:nextCondLst>
+                <p:cond evt="onNext" delay="0">
+                  <p:tgtEl>
+                    <p:sldTgt/>
+                  </p:tgtEl>
+                </p:cond>
+              </p:nextCondLst>
+            </p:seq>
+          </p:childTnLst>
+        </p:cTn>
+      </p:par>
+    </p:tnLst>
+    <p:bldLst>
+      <p:bldP spid="22" grpId="0" animBg="1"/>
+      <p:bldP spid="23" grpId="0" animBg="1"/>
+    </p:bldLst>
+  </p:timing>
+</p:sld>
+</file>
+
+<file path=ppt/slides/slide3.xml><?xml version="1.0" encoding="utf-8"?>
 <p:sld xmlns:a="http://schemas.openxmlformats.org/drawingml/2006/main" xmlns:r="http://schemas.openxmlformats.org/officeDocument/2006/relationships" xmlns:p="http://schemas.openxmlformats.org/presentationml/2006/main">
   <p:cSld>
     <p:bg>
@@ -11453,7 +13443,7 @@
 </p:sld>
 </file>
 
-<file path=ppt/slides/slide3.xml><?xml version="1.0" encoding="utf-8"?>
+<file path=ppt/slides/slide4.xml><?xml version="1.0" encoding="utf-8"?>
 <p:sld xmlns:a="http://schemas.openxmlformats.org/drawingml/2006/main" xmlns:r="http://schemas.openxmlformats.org/officeDocument/2006/relationships" xmlns:p="http://schemas.openxmlformats.org/presentationml/2006/main">
   <p:cSld>
     <p:bg>
@@ -12021,7 +14011,7 @@
 </p:sld>
 </file>
 
-<file path=ppt/slides/slide4.xml><?xml version="1.0" encoding="utf-8"?>
+<file path=ppt/slides/slide5.xml><?xml version="1.0" encoding="utf-8"?>
 <p:sld xmlns:a="http://schemas.openxmlformats.org/drawingml/2006/main" xmlns:r="http://schemas.openxmlformats.org/officeDocument/2006/relationships" xmlns:p="http://schemas.openxmlformats.org/presentationml/2006/main">
   <p:cSld>
     <p:bg>
@@ -12783,7 +14773,7 @@
 </p:sld>
 </file>
 
-<file path=ppt/slides/slide5.xml><?xml version="1.0" encoding="utf-8"?>
+<file path=ppt/slides/slide6.xml><?xml version="1.0" encoding="utf-8"?>
 <p:sld xmlns:a="http://schemas.openxmlformats.org/drawingml/2006/main" xmlns:r="http://schemas.openxmlformats.org/officeDocument/2006/relationships" xmlns:p="http://schemas.openxmlformats.org/presentationml/2006/main">
   <p:cSld>
     <p:bg>
@@ -13232,7 +15222,7 @@
 </p:sld>
 </file>
 
-<file path=ppt/slides/slide6.xml><?xml version="1.0" encoding="utf-8"?>
+<file path=ppt/slides/slide7.xml><?xml version="1.0" encoding="utf-8"?>
 <p:sld xmlns:a="http://schemas.openxmlformats.org/drawingml/2006/main" xmlns:r="http://schemas.openxmlformats.org/officeDocument/2006/relationships" xmlns:p="http://schemas.openxmlformats.org/presentationml/2006/main">
   <p:cSld>
     <p:bg>
@@ -13681,7 +15671,7 @@
 </p:sld>
 </file>
 
-<file path=ppt/slides/slide7.xml><?xml version="1.0" encoding="utf-8"?>
+<file path=ppt/slides/slide8.xml><?xml version="1.0" encoding="utf-8"?>
 <p:sld xmlns:a="http://schemas.openxmlformats.org/drawingml/2006/main" xmlns:r="http://schemas.openxmlformats.org/officeDocument/2006/relationships" xmlns:p="http://schemas.openxmlformats.org/presentationml/2006/main">
   <p:cSld>
     <p:bg>
